--- a/Wikidocs/book_covers.pptx
+++ b/Wikidocs/book_covers.pptx
@@ -7,6 +7,10 @@
   <p:sldIdLst>
     <p:sldId id="256" r:id="rId2"/>
     <p:sldId id="257" r:id="rId3"/>
+    <p:sldId id="259" r:id="rId4"/>
+    <p:sldId id="261" r:id="rId5"/>
+    <p:sldId id="260" r:id="rId6"/>
+    <p:sldId id="258" r:id="rId7"/>
   </p:sldIdLst>
   <p:sldSz cx="3600450" cy="4679950"/>
   <p:notesSz cx="6858000" cy="9144000"/>
@@ -105,6 +109,11 @@
       </a:defRPr>
     </a:lvl9pPr>
   </p:defaultTextStyle>
+  <p:extLst>
+    <p:ext uri="{EFAFB233-063F-42B5-8137-9DF3F51BA10A}">
+      <p15:sldGuideLst xmlns:p15="http://schemas.microsoft.com/office/powerpoint/2012/main"/>
+    </p:ext>
+  </p:extLst>
 </p:presentation>
 </file>
 
@@ -239,7 +248,7 @@
           <a:p>
             <a:fld id="{8E82A554-2F7D-4067-AB8E-F6F7DE38E6DA}" type="datetimeFigureOut">
               <a:rPr lang="en-US" smtClean="0"/>
-              <a:t>12/14/2022</a:t>
+              <a:t>12/22/2022</a:t>
             </a:fld>
             <a:endParaRPr lang="en-US"/>
           </a:p>
@@ -409,7 +418,7 @@
           <a:p>
             <a:fld id="{8E82A554-2F7D-4067-AB8E-F6F7DE38E6DA}" type="datetimeFigureOut">
               <a:rPr lang="en-US" smtClean="0"/>
-              <a:t>12/14/2022</a:t>
+              <a:t>12/22/2022</a:t>
             </a:fld>
             <a:endParaRPr lang="en-US"/>
           </a:p>
@@ -589,7 +598,7 @@
           <a:p>
             <a:fld id="{8E82A554-2F7D-4067-AB8E-F6F7DE38E6DA}" type="datetimeFigureOut">
               <a:rPr lang="en-US" smtClean="0"/>
-              <a:t>12/14/2022</a:t>
+              <a:t>12/22/2022</a:t>
             </a:fld>
             <a:endParaRPr lang="en-US"/>
           </a:p>
@@ -759,7 +768,7 @@
           <a:p>
             <a:fld id="{8E82A554-2F7D-4067-AB8E-F6F7DE38E6DA}" type="datetimeFigureOut">
               <a:rPr lang="en-US" smtClean="0"/>
-              <a:t>12/14/2022</a:t>
+              <a:t>12/22/2022</a:t>
             </a:fld>
             <a:endParaRPr lang="en-US"/>
           </a:p>
@@ -1003,7 +1012,7 @@
           <a:p>
             <a:fld id="{8E82A554-2F7D-4067-AB8E-F6F7DE38E6DA}" type="datetimeFigureOut">
               <a:rPr lang="en-US" smtClean="0"/>
-              <a:t>12/14/2022</a:t>
+              <a:t>12/22/2022</a:t>
             </a:fld>
             <a:endParaRPr lang="en-US"/>
           </a:p>
@@ -1235,7 +1244,7 @@
           <a:p>
             <a:fld id="{8E82A554-2F7D-4067-AB8E-F6F7DE38E6DA}" type="datetimeFigureOut">
               <a:rPr lang="en-US" smtClean="0"/>
-              <a:t>12/14/2022</a:t>
+              <a:t>12/22/2022</a:t>
             </a:fld>
             <a:endParaRPr lang="en-US"/>
           </a:p>
@@ -1602,7 +1611,7 @@
           <a:p>
             <a:fld id="{8E82A554-2F7D-4067-AB8E-F6F7DE38E6DA}" type="datetimeFigureOut">
               <a:rPr lang="en-US" smtClean="0"/>
-              <a:t>12/14/2022</a:t>
+              <a:t>12/22/2022</a:t>
             </a:fld>
             <a:endParaRPr lang="en-US"/>
           </a:p>
@@ -1720,7 +1729,7 @@
           <a:p>
             <a:fld id="{8E82A554-2F7D-4067-AB8E-F6F7DE38E6DA}" type="datetimeFigureOut">
               <a:rPr lang="en-US" smtClean="0"/>
-              <a:t>12/14/2022</a:t>
+              <a:t>12/22/2022</a:t>
             </a:fld>
             <a:endParaRPr lang="en-US"/>
           </a:p>
@@ -1815,7 +1824,7 @@
           <a:p>
             <a:fld id="{8E82A554-2F7D-4067-AB8E-F6F7DE38E6DA}" type="datetimeFigureOut">
               <a:rPr lang="en-US" smtClean="0"/>
-              <a:t>12/14/2022</a:t>
+              <a:t>12/22/2022</a:t>
             </a:fld>
             <a:endParaRPr lang="en-US"/>
           </a:p>
@@ -2092,7 +2101,7 @@
           <a:p>
             <a:fld id="{8E82A554-2F7D-4067-AB8E-F6F7DE38E6DA}" type="datetimeFigureOut">
               <a:rPr lang="en-US" smtClean="0"/>
-              <a:t>12/14/2022</a:t>
+              <a:t>12/22/2022</a:t>
             </a:fld>
             <a:endParaRPr lang="en-US"/>
           </a:p>
@@ -2349,7 +2358,7 @@
           <a:p>
             <a:fld id="{8E82A554-2F7D-4067-AB8E-F6F7DE38E6DA}" type="datetimeFigureOut">
               <a:rPr lang="en-US" smtClean="0"/>
-              <a:t>12/14/2022</a:t>
+              <a:t>12/22/2022</a:t>
             </a:fld>
             <a:endParaRPr lang="en-US"/>
           </a:p>
@@ -2562,7 +2571,7 @@
           <a:p>
             <a:fld id="{8E82A554-2F7D-4067-AB8E-F6F7DE38E6DA}" type="datetimeFigureOut">
               <a:rPr lang="en-US" smtClean="0"/>
-              <a:t>12/14/2022</a:t>
+              <a:t>12/22/2022</a:t>
             </a:fld>
             <a:endParaRPr lang="en-US"/>
           </a:p>
@@ -3519,80 +3528,80 @@
             <a:custGeom>
               <a:avLst/>
               <a:gdLst>
-                <a:gd name="connsiteX0" fmla="*/ 170324 w 1816258"/>
-                <a:gd name="connsiteY0" fmla="*/ 880323 h 2037562"/>
-                <a:gd name="connsiteX1" fmla="*/ 255486 w 1816258"/>
-                <a:gd name="connsiteY1" fmla="*/ 792414 h 2037562"/>
-                <a:gd name="connsiteX2" fmla="*/ 362625 w 1816258"/>
-                <a:gd name="connsiteY2" fmla="*/ 682527 h 2037562"/>
-                <a:gd name="connsiteX3" fmla="*/ 431304 w 1816258"/>
-                <a:gd name="connsiteY3" fmla="*/ 630331 h 2037562"/>
-                <a:gd name="connsiteX4" fmla="*/ 494489 w 1816258"/>
-                <a:gd name="connsiteY4" fmla="*/ 608354 h 2037562"/>
-                <a:gd name="connsiteX5" fmla="*/ 571410 w 1816258"/>
-                <a:gd name="connsiteY5" fmla="*/ 569893 h 2037562"/>
-                <a:gd name="connsiteX6" fmla="*/ 659319 w 1816258"/>
-                <a:gd name="connsiteY6" fmla="*/ 487478 h 2037562"/>
-                <a:gd name="connsiteX7" fmla="*/ 804919 w 1816258"/>
-                <a:gd name="connsiteY7" fmla="*/ 303418 h 2037562"/>
-                <a:gd name="connsiteX8" fmla="*/ 898323 w 1816258"/>
-                <a:gd name="connsiteY8" fmla="*/ 157818 h 2037562"/>
-                <a:gd name="connsiteX9" fmla="*/ 928541 w 1816258"/>
-                <a:gd name="connsiteY9" fmla="*/ 100128 h 2037562"/>
-                <a:gd name="connsiteX10" fmla="*/ 961507 w 1816258"/>
-                <a:gd name="connsiteY10" fmla="*/ 45185 h 2037562"/>
-                <a:gd name="connsiteX11" fmla="*/ 1019198 w 1816258"/>
-                <a:gd name="connsiteY11" fmla="*/ 6724 h 2037562"/>
-                <a:gd name="connsiteX12" fmla="*/ 1076888 w 1816258"/>
-                <a:gd name="connsiteY12" fmla="*/ 3977 h 2037562"/>
-                <a:gd name="connsiteX13" fmla="*/ 1145568 w 1816258"/>
-                <a:gd name="connsiteY13" fmla="*/ 47932 h 2037562"/>
-                <a:gd name="connsiteX14" fmla="*/ 1211500 w 1816258"/>
-                <a:gd name="connsiteY14" fmla="*/ 149577 h 2037562"/>
-                <a:gd name="connsiteX15" fmla="*/ 1236224 w 1816258"/>
-                <a:gd name="connsiteY15" fmla="*/ 188037 h 2037562"/>
-                <a:gd name="connsiteX16" fmla="*/ 1379077 w 1816258"/>
-                <a:gd name="connsiteY16" fmla="*/ 534180 h 2037562"/>
-                <a:gd name="connsiteX17" fmla="*/ 1659287 w 1816258"/>
-                <a:gd name="connsiteY17" fmla="*/ 1333605 h 2037562"/>
-                <a:gd name="connsiteX18" fmla="*/ 1815876 w 1816258"/>
-                <a:gd name="connsiteY18" fmla="*/ 1718208 h 2037562"/>
-                <a:gd name="connsiteX19" fmla="*/ 1700495 w 1816258"/>
-                <a:gd name="connsiteY19" fmla="*/ 1616563 h 2037562"/>
-                <a:gd name="connsiteX20" fmla="*/ 1607091 w 1816258"/>
-                <a:gd name="connsiteY20" fmla="*/ 1531401 h 2037562"/>
-                <a:gd name="connsiteX21" fmla="*/ 1513688 w 1816258"/>
-                <a:gd name="connsiteY21" fmla="*/ 1448986 h 2037562"/>
-                <a:gd name="connsiteX22" fmla="*/ 1379077 w 1816258"/>
-                <a:gd name="connsiteY22" fmla="*/ 1394043 h 2037562"/>
-                <a:gd name="connsiteX23" fmla="*/ 1263696 w 1816258"/>
-                <a:gd name="connsiteY23" fmla="*/ 1418767 h 2037562"/>
-                <a:gd name="connsiteX24" fmla="*/ 1112602 w 1816258"/>
-                <a:gd name="connsiteY24" fmla="*/ 1528654 h 2037562"/>
-                <a:gd name="connsiteX25" fmla="*/ 991726 w 1816258"/>
-                <a:gd name="connsiteY25" fmla="*/ 1674254 h 2037562"/>
-                <a:gd name="connsiteX26" fmla="*/ 876345 w 1816258"/>
-                <a:gd name="connsiteY26" fmla="*/ 1803371 h 2037562"/>
-                <a:gd name="connsiteX27" fmla="*/ 730746 w 1816258"/>
-                <a:gd name="connsiteY27" fmla="*/ 1946223 h 2037562"/>
-                <a:gd name="connsiteX28" fmla="*/ 582399 w 1816258"/>
-                <a:gd name="connsiteY28" fmla="*/ 2017650 h 2037562"/>
-                <a:gd name="connsiteX29" fmla="*/ 516467 w 1816258"/>
-                <a:gd name="connsiteY29" fmla="*/ 2031385 h 2037562"/>
-                <a:gd name="connsiteX30" fmla="*/ 475259 w 1816258"/>
-                <a:gd name="connsiteY30" fmla="*/ 1929740 h 2037562"/>
-                <a:gd name="connsiteX31" fmla="*/ 390097 w 1816258"/>
-                <a:gd name="connsiteY31" fmla="*/ 1720956 h 2037562"/>
-                <a:gd name="connsiteX32" fmla="*/ 296693 w 1816258"/>
-                <a:gd name="connsiteY32" fmla="*/ 1553379 h 2037562"/>
-                <a:gd name="connsiteX33" fmla="*/ 225267 w 1816258"/>
-                <a:gd name="connsiteY33" fmla="*/ 1481952 h 2037562"/>
-                <a:gd name="connsiteX34" fmla="*/ 162082 w 1816258"/>
-                <a:gd name="connsiteY34" fmla="*/ 1448986 h 2037562"/>
-                <a:gd name="connsiteX35" fmla="*/ 60437 w 1816258"/>
-                <a:gd name="connsiteY35" fmla="*/ 1468216 h 2037562"/>
-                <a:gd name="connsiteX36" fmla="*/ 0 w 1816258"/>
-                <a:gd name="connsiteY36" fmla="*/ 1473711 h 2037562"/>
+                <a:gd name="connsiteX0" fmla="*/ 196850 w 2099119"/>
+                <a:gd name="connsiteY0" fmla="*/ 1017419 h 2354880"/>
+                <a:gd name="connsiteX1" fmla="*/ 295275 w 2099119"/>
+                <a:gd name="connsiteY1" fmla="*/ 915820 h 2354880"/>
+                <a:gd name="connsiteX2" fmla="*/ 419100 w 2099119"/>
+                <a:gd name="connsiteY2" fmla="*/ 788820 h 2354880"/>
+                <a:gd name="connsiteX3" fmla="*/ 498475 w 2099119"/>
+                <a:gd name="connsiteY3" fmla="*/ 728495 h 2354880"/>
+                <a:gd name="connsiteX4" fmla="*/ 571500 w 2099119"/>
+                <a:gd name="connsiteY4" fmla="*/ 703095 h 2354880"/>
+                <a:gd name="connsiteX5" fmla="*/ 660400 w 2099119"/>
+                <a:gd name="connsiteY5" fmla="*/ 658645 h 2354880"/>
+                <a:gd name="connsiteX6" fmla="*/ 762001 w 2099119"/>
+                <a:gd name="connsiteY6" fmla="*/ 563395 h 2354880"/>
+                <a:gd name="connsiteX7" fmla="*/ 930276 w 2099119"/>
+                <a:gd name="connsiteY7" fmla="*/ 350671 h 2354880"/>
+                <a:gd name="connsiteX8" fmla="*/ 1038226 w 2099119"/>
+                <a:gd name="connsiteY8" fmla="*/ 182396 h 2354880"/>
+                <a:gd name="connsiteX9" fmla="*/ 1073151 w 2099119"/>
+                <a:gd name="connsiteY9" fmla="*/ 115721 h 2354880"/>
+                <a:gd name="connsiteX10" fmla="*/ 1111251 w 2099119"/>
+                <a:gd name="connsiteY10" fmla="*/ 52221 h 2354880"/>
+                <a:gd name="connsiteX11" fmla="*/ 1177926 w 2099119"/>
+                <a:gd name="connsiteY11" fmla="*/ 7771 h 2354880"/>
+                <a:gd name="connsiteX12" fmla="*/ 1244601 w 2099119"/>
+                <a:gd name="connsiteY12" fmla="*/ 4596 h 2354880"/>
+                <a:gd name="connsiteX13" fmla="*/ 1323976 w 2099119"/>
+                <a:gd name="connsiteY13" fmla="*/ 55396 h 2354880"/>
+                <a:gd name="connsiteX14" fmla="*/ 1400177 w 2099119"/>
+                <a:gd name="connsiteY14" fmla="*/ 172871 h 2354880"/>
+                <a:gd name="connsiteX15" fmla="*/ 1428752 w 2099119"/>
+                <a:gd name="connsiteY15" fmla="*/ 217321 h 2354880"/>
+                <a:gd name="connsiteX16" fmla="*/ 1593852 w 2099119"/>
+                <a:gd name="connsiteY16" fmla="*/ 617370 h 2354880"/>
+                <a:gd name="connsiteX17" fmla="*/ 1917702 w 2099119"/>
+                <a:gd name="connsiteY17" fmla="*/ 1541293 h 2354880"/>
+                <a:gd name="connsiteX18" fmla="*/ 2098677 w 2099119"/>
+                <a:gd name="connsiteY18" fmla="*/ 1985792 h 2354880"/>
+                <a:gd name="connsiteX19" fmla="*/ 1965327 w 2099119"/>
+                <a:gd name="connsiteY19" fmla="*/ 1868318 h 2354880"/>
+                <a:gd name="connsiteX20" fmla="*/ 1857377 w 2099119"/>
+                <a:gd name="connsiteY20" fmla="*/ 1769893 h 2354880"/>
+                <a:gd name="connsiteX21" fmla="*/ 1749427 w 2099119"/>
+                <a:gd name="connsiteY21" fmla="*/ 1674643 h 2354880"/>
+                <a:gd name="connsiteX22" fmla="*/ 1593852 w 2099119"/>
+                <a:gd name="connsiteY22" fmla="*/ 1611143 h 2354880"/>
+                <a:gd name="connsiteX23" fmla="*/ 1460502 w 2099119"/>
+                <a:gd name="connsiteY23" fmla="*/ 1639718 h 2354880"/>
+                <a:gd name="connsiteX24" fmla="*/ 1285876 w 2099119"/>
+                <a:gd name="connsiteY24" fmla="*/ 1766718 h 2354880"/>
+                <a:gd name="connsiteX25" fmla="*/ 1146176 w 2099119"/>
+                <a:gd name="connsiteY25" fmla="*/ 1934992 h 2354880"/>
+                <a:gd name="connsiteX26" fmla="*/ 1012826 w 2099119"/>
+                <a:gd name="connsiteY26" fmla="*/ 2084217 h 2354880"/>
+                <a:gd name="connsiteX27" fmla="*/ 844551 w 2099119"/>
+                <a:gd name="connsiteY27" fmla="*/ 2249317 h 2354880"/>
+                <a:gd name="connsiteX28" fmla="*/ 673100 w 2099119"/>
+                <a:gd name="connsiteY28" fmla="*/ 2331867 h 2354880"/>
+                <a:gd name="connsiteX29" fmla="*/ 596900 w 2099119"/>
+                <a:gd name="connsiteY29" fmla="*/ 2347742 h 2354880"/>
+                <a:gd name="connsiteX30" fmla="*/ 549275 w 2099119"/>
+                <a:gd name="connsiteY30" fmla="*/ 2230267 h 2354880"/>
+                <a:gd name="connsiteX31" fmla="*/ 450850 w 2099119"/>
+                <a:gd name="connsiteY31" fmla="*/ 1988967 h 2354880"/>
+                <a:gd name="connsiteX32" fmla="*/ 342900 w 2099119"/>
+                <a:gd name="connsiteY32" fmla="*/ 1795293 h 2354880"/>
+                <a:gd name="connsiteX33" fmla="*/ 260350 w 2099119"/>
+                <a:gd name="connsiteY33" fmla="*/ 1712743 h 2354880"/>
+                <a:gd name="connsiteX34" fmla="*/ 187325 w 2099119"/>
+                <a:gd name="connsiteY34" fmla="*/ 1674643 h 2354880"/>
+                <a:gd name="connsiteX35" fmla="*/ 69850 w 2099119"/>
+                <a:gd name="connsiteY35" fmla="*/ 1696868 h 2354880"/>
+                <a:gd name="connsiteX36" fmla="*/ 0 w 2099119"/>
+                <a:gd name="connsiteY36" fmla="*/ 1703218 h 2354880"/>
               </a:gdLst>
               <a:ahLst/>
               <a:cxnLst>
@@ -3710,189 +3719,189 @@
               </a:cxnLst>
               <a:rect l="l" t="t" r="r" b="b"/>
               <a:pathLst>
-                <a:path w="1816258" h="2037562" extrusionOk="0">
+                <a:path w="2099119" h="2354880" extrusionOk="0">
                   <a:moveTo>
-                    <a:pt x="170324" y="880323"/>
+                    <a:pt x="196850" y="1017419"/>
                   </a:moveTo>
                   <a:cubicBezTo>
-                    <a:pt x="212032" y="845901"/>
-                    <a:pt x="238605" y="794248"/>
-                    <a:pt x="255486" y="792414"/>
-                  </a:cubicBezTo>
-                  <a:cubicBezTo>
-                    <a:pt x="288300" y="760726"/>
-                    <a:pt x="331061" y="702688"/>
-                    <a:pt x="362625" y="682527"/>
-                  </a:cubicBezTo>
-                  <a:cubicBezTo>
-                    <a:pt x="394701" y="653751"/>
-                    <a:pt x="412894" y="642946"/>
-                    <a:pt x="431304" y="630331"/>
-                  </a:cubicBezTo>
-                  <a:cubicBezTo>
-                    <a:pt x="451821" y="618474"/>
-                    <a:pt x="467901" y="617378"/>
-                    <a:pt x="494489" y="608354"/>
-                  </a:cubicBezTo>
-                  <a:cubicBezTo>
-                    <a:pt x="518202" y="597163"/>
-                    <a:pt x="546279" y="592769"/>
-                    <a:pt x="571410" y="569893"/>
-                  </a:cubicBezTo>
-                  <a:cubicBezTo>
-                    <a:pt x="601918" y="545179"/>
-                    <a:pt x="625135" y="529089"/>
-                    <a:pt x="659319" y="487478"/>
-                  </a:cubicBezTo>
-                  <a:cubicBezTo>
-                    <a:pt x="698968" y="446123"/>
-                    <a:pt x="773425" y="361749"/>
-                    <a:pt x="804919" y="303418"/>
-                  </a:cubicBezTo>
-                  <a:cubicBezTo>
-                    <a:pt x="850504" y="246734"/>
-                    <a:pt x="871342" y="191350"/>
-                    <a:pt x="898323" y="157818"/>
-                  </a:cubicBezTo>
-                  <a:cubicBezTo>
-                    <a:pt x="918647" y="124443"/>
-                    <a:pt x="917552" y="119179"/>
-                    <a:pt x="928541" y="100128"/>
-                  </a:cubicBezTo>
-                  <a:cubicBezTo>
-                    <a:pt x="937146" y="82238"/>
-                    <a:pt x="945094" y="63951"/>
-                    <a:pt x="961507" y="45185"/>
-                  </a:cubicBezTo>
-                  <a:cubicBezTo>
-                    <a:pt x="977278" y="30156"/>
-                    <a:pt x="999123" y="14456"/>
-                    <a:pt x="1019198" y="6724"/>
-                  </a:cubicBezTo>
-                  <a:cubicBezTo>
-                    <a:pt x="1037551" y="-2993"/>
-                    <a:pt x="1055691" y="-3511"/>
-                    <a:pt x="1076888" y="3977"/>
-                  </a:cubicBezTo>
-                  <a:cubicBezTo>
-                    <a:pt x="1098388" y="12075"/>
-                    <a:pt x="1122728" y="25294"/>
-                    <a:pt x="1145568" y="47932"/>
-                  </a:cubicBezTo>
-                  <a:cubicBezTo>
-                    <a:pt x="1170532" y="71259"/>
-                    <a:pt x="1198996" y="127821"/>
-                    <a:pt x="1211500" y="149577"/>
-                  </a:cubicBezTo>
-                  <a:cubicBezTo>
-                    <a:pt x="1218411" y="169491"/>
-                    <a:pt x="1206621" y="129891"/>
-                    <a:pt x="1236224" y="188037"/>
-                  </a:cubicBezTo>
-                  <a:cubicBezTo>
-                    <a:pt x="1264689" y="241705"/>
-                    <a:pt x="1308576" y="345558"/>
-                    <a:pt x="1379077" y="534180"/>
-                  </a:cubicBezTo>
-                  <a:cubicBezTo>
-                    <a:pt x="1420068" y="742993"/>
-                    <a:pt x="1579339" y="1171455"/>
-                    <a:pt x="1659287" y="1333605"/>
-                  </a:cubicBezTo>
-                  <a:cubicBezTo>
-                    <a:pt x="1723590" y="1534803"/>
-                    <a:pt x="1806712" y="1667706"/>
-                    <a:pt x="1815876" y="1718208"/>
-                  </a:cubicBezTo>
-                  <a:cubicBezTo>
-                    <a:pt x="1830875" y="1766361"/>
-                    <a:pt x="1735608" y="1644835"/>
-                    <a:pt x="1700495" y="1616563"/>
-                  </a:cubicBezTo>
-                  <a:cubicBezTo>
-                    <a:pt x="1666595" y="1585344"/>
-                    <a:pt x="1643874" y="1562811"/>
-                    <a:pt x="1607091" y="1531401"/>
-                  </a:cubicBezTo>
-                  <a:cubicBezTo>
-                    <a:pt x="1574774" y="1510112"/>
-                    <a:pt x="1550355" y="1469614"/>
-                    <a:pt x="1513688" y="1448986"/>
-                  </a:cubicBezTo>
-                  <a:cubicBezTo>
-                    <a:pt x="1472604" y="1428283"/>
-                    <a:pt x="1414509" y="1395430"/>
-                    <a:pt x="1379077" y="1394043"/>
-                  </a:cubicBezTo>
-                  <a:cubicBezTo>
-                    <a:pt x="1336211" y="1388475"/>
-                    <a:pt x="1307697" y="1396677"/>
-                    <a:pt x="1263696" y="1418767"/>
-                  </a:cubicBezTo>
-                  <a:cubicBezTo>
-                    <a:pt x="1215883" y="1446933"/>
-                    <a:pt x="1157137" y="1485241"/>
-                    <a:pt x="1112602" y="1528654"/>
-                  </a:cubicBezTo>
-                  <a:cubicBezTo>
-                    <a:pt x="1063837" y="1562098"/>
-                    <a:pt x="1030991" y="1622305"/>
-                    <a:pt x="991726" y="1674254"/>
-                  </a:cubicBezTo>
-                  <a:cubicBezTo>
-                    <a:pt x="948688" y="1718080"/>
-                    <a:pt x="917363" y="1755762"/>
-                    <a:pt x="876345" y="1803371"/>
-                  </a:cubicBezTo>
-                  <a:cubicBezTo>
-                    <a:pt x="824923" y="1848673"/>
-                    <a:pt x="781957" y="1910677"/>
-                    <a:pt x="730746" y="1946223"/>
-                  </a:cubicBezTo>
-                  <a:cubicBezTo>
-                    <a:pt x="683292" y="1981191"/>
-                    <a:pt x="612143" y="1999934"/>
-                    <a:pt x="582399" y="2017650"/>
-                  </a:cubicBezTo>
-                  <a:cubicBezTo>
-                    <a:pt x="547748" y="2028302"/>
-                    <a:pt x="531829" y="2047865"/>
-                    <a:pt x="516467" y="2031385"/>
-                  </a:cubicBezTo>
-                  <a:cubicBezTo>
-                    <a:pt x="498610" y="2016734"/>
-                    <a:pt x="475259" y="1929740"/>
-                    <a:pt x="475259" y="1929740"/>
-                  </a:cubicBezTo>
-                  <a:cubicBezTo>
-                    <a:pt x="454995" y="1875286"/>
-                    <a:pt x="421610" y="1787579"/>
-                    <a:pt x="390097" y="1720956"/>
-                  </a:cubicBezTo>
-                  <a:cubicBezTo>
-                    <a:pt x="359477" y="1651603"/>
-                    <a:pt x="327615" y="1592859"/>
-                    <a:pt x="296693" y="1553379"/>
-                  </a:cubicBezTo>
-                  <a:cubicBezTo>
-                    <a:pt x="270344" y="1514203"/>
-                    <a:pt x="246984" y="1503565"/>
-                    <a:pt x="225267" y="1481952"/>
-                  </a:cubicBezTo>
-                  <a:cubicBezTo>
-                    <a:pt x="204118" y="1463300"/>
-                    <a:pt x="190592" y="1448259"/>
-                    <a:pt x="162082" y="1448986"/>
-                  </a:cubicBezTo>
-                  <a:cubicBezTo>
-                    <a:pt x="134102" y="1445705"/>
-                    <a:pt x="83173" y="1462975"/>
-                    <a:pt x="60437" y="1468216"/>
-                  </a:cubicBezTo>
-                  <a:cubicBezTo>
-                    <a:pt x="34046" y="1474062"/>
-                    <a:pt x="16617" y="1472778"/>
-                    <a:pt x="0" y="1473711"/>
+                    <a:pt x="239370" y="974023"/>
+                    <a:pt x="282657" y="931889"/>
+                    <a:pt x="295275" y="915820"/>
+                  </a:cubicBezTo>
+                  <a:cubicBezTo>
+                    <a:pt x="334102" y="880705"/>
+                    <a:pt x="384148" y="816753"/>
+                    <a:pt x="419100" y="788820"/>
+                  </a:cubicBezTo>
+                  <a:cubicBezTo>
+                    <a:pt x="455836" y="755776"/>
+                    <a:pt x="477252" y="743078"/>
+                    <a:pt x="498475" y="728495"/>
+                  </a:cubicBezTo>
+                  <a:cubicBezTo>
+                    <a:pt x="522059" y="714836"/>
+                    <a:pt x="542400" y="714053"/>
+                    <a:pt x="571500" y="703095"/>
+                  </a:cubicBezTo>
+                  <a:cubicBezTo>
+                    <a:pt x="600313" y="685822"/>
+                    <a:pt x="629869" y="683349"/>
+                    <a:pt x="660400" y="658645"/>
+                  </a:cubicBezTo>
+                  <a:cubicBezTo>
+                    <a:pt x="694709" y="631511"/>
+                    <a:pt x="722374" y="611556"/>
+                    <a:pt x="762001" y="563395"/>
+                  </a:cubicBezTo>
+                  <a:cubicBezTo>
+                    <a:pt x="810333" y="526087"/>
+                    <a:pt x="895907" y="418911"/>
+                    <a:pt x="930276" y="350671"/>
+                  </a:cubicBezTo>
+                  <a:cubicBezTo>
+                    <a:pt x="978494" y="286511"/>
+                    <a:pt x="1012302" y="221438"/>
+                    <a:pt x="1038226" y="182396"/>
+                  </a:cubicBezTo>
+                  <a:cubicBezTo>
+                    <a:pt x="1061733" y="143792"/>
+                    <a:pt x="1060089" y="137959"/>
+                    <a:pt x="1073151" y="115721"/>
+                  </a:cubicBezTo>
+                  <a:cubicBezTo>
+                    <a:pt x="1082410" y="95360"/>
+                    <a:pt x="1092593" y="73146"/>
+                    <a:pt x="1111251" y="52221"/>
+                  </a:cubicBezTo>
+                  <a:cubicBezTo>
+                    <a:pt x="1128965" y="34434"/>
+                    <a:pt x="1154157" y="17288"/>
+                    <a:pt x="1177926" y="7771"/>
+                  </a:cubicBezTo>
+                  <a:cubicBezTo>
+                    <a:pt x="1199010" y="-3875"/>
+                    <a:pt x="1219944" y="-4779"/>
+                    <a:pt x="1244601" y="4596"/>
+                  </a:cubicBezTo>
+                  <a:cubicBezTo>
+                    <a:pt x="1269092" y="12952"/>
+                    <a:pt x="1297796" y="28361"/>
+                    <a:pt x="1323976" y="55396"/>
+                  </a:cubicBezTo>
+                  <a:cubicBezTo>
+                    <a:pt x="1355663" y="81304"/>
+                    <a:pt x="1384621" y="147051"/>
+                    <a:pt x="1400177" y="172871"/>
+                  </a:cubicBezTo>
+                  <a:cubicBezTo>
+                    <a:pt x="1406935" y="195371"/>
+                    <a:pt x="1395588" y="146382"/>
+                    <a:pt x="1428752" y="217321"/>
+                  </a:cubicBezTo>
+                  <a:cubicBezTo>
+                    <a:pt x="1461880" y="274898"/>
+                    <a:pt x="1512418" y="410283"/>
+                    <a:pt x="1593852" y="617370"/>
+                  </a:cubicBezTo>
+                  <a:cubicBezTo>
+                    <a:pt x="1649184" y="853882"/>
+                    <a:pt x="1830498" y="1328318"/>
+                    <a:pt x="1917702" y="1541293"/>
+                  </a:cubicBezTo>
+                  <a:cubicBezTo>
+                    <a:pt x="1996636" y="1771728"/>
+                    <a:pt x="2085127" y="1923116"/>
+                    <a:pt x="2098677" y="1985792"/>
+                  </a:cubicBezTo>
+                  <a:cubicBezTo>
+                    <a:pt x="2107361" y="2040387"/>
+                    <a:pt x="2006097" y="1899268"/>
+                    <a:pt x="1965327" y="1868318"/>
+                  </a:cubicBezTo>
+                  <a:cubicBezTo>
+                    <a:pt x="1932479" y="1831642"/>
+                    <a:pt x="1894018" y="1802578"/>
+                    <a:pt x="1857377" y="1769893"/>
+                  </a:cubicBezTo>
+                  <a:cubicBezTo>
+                    <a:pt x="1820693" y="1741549"/>
+                    <a:pt x="1789720" y="1694945"/>
+                    <a:pt x="1749427" y="1674643"/>
+                  </a:cubicBezTo>
+                  <a:cubicBezTo>
+                    <a:pt x="1700929" y="1651438"/>
+                    <a:pt x="1640117" y="1615858"/>
+                    <a:pt x="1593852" y="1611143"/>
+                  </a:cubicBezTo>
+                  <a:cubicBezTo>
+                    <a:pt x="1540400" y="1602975"/>
+                    <a:pt x="1508438" y="1616635"/>
+                    <a:pt x="1460502" y="1639718"/>
+                  </a:cubicBezTo>
+                  <a:cubicBezTo>
+                    <a:pt x="1403013" y="1676032"/>
+                    <a:pt x="1333331" y="1712327"/>
+                    <a:pt x="1285876" y="1766718"/>
+                  </a:cubicBezTo>
+                  <a:cubicBezTo>
+                    <a:pt x="1231709" y="1811198"/>
+                    <a:pt x="1191556" y="1874990"/>
+                    <a:pt x="1146176" y="1934992"/>
+                  </a:cubicBezTo>
+                  <a:cubicBezTo>
+                    <a:pt x="1096111" y="1985471"/>
+                    <a:pt x="1059261" y="2028300"/>
+                    <a:pt x="1012826" y="2084217"/>
+                  </a:cubicBezTo>
+                  <a:cubicBezTo>
+                    <a:pt x="956828" y="2136586"/>
+                    <a:pt x="911633" y="2208830"/>
+                    <a:pt x="844551" y="2249317"/>
+                  </a:cubicBezTo>
+                  <a:cubicBezTo>
+                    <a:pt x="792948" y="2288162"/>
+                    <a:pt x="708553" y="2312027"/>
+                    <a:pt x="673100" y="2331867"/>
+                  </a:cubicBezTo>
+                  <a:cubicBezTo>
+                    <a:pt x="632442" y="2346214"/>
+                    <a:pt x="616110" y="2365720"/>
+                    <a:pt x="596900" y="2347742"/>
+                  </a:cubicBezTo>
+                  <a:cubicBezTo>
+                    <a:pt x="576263" y="2330809"/>
+                    <a:pt x="549275" y="2230267"/>
+                    <a:pt x="549275" y="2230267"/>
+                  </a:cubicBezTo>
+                  <a:cubicBezTo>
+                    <a:pt x="526100" y="2166500"/>
+                    <a:pt x="485845" y="2062794"/>
+                    <a:pt x="450850" y="1988967"/>
+                  </a:cubicBezTo>
+                  <a:cubicBezTo>
+                    <a:pt x="415166" y="1906538"/>
+                    <a:pt x="383737" y="1840400"/>
+                    <a:pt x="342900" y="1795293"/>
+                  </a:cubicBezTo>
+                  <a:cubicBezTo>
+                    <a:pt x="312888" y="1750275"/>
+                    <a:pt x="285976" y="1734628"/>
+                    <a:pt x="260350" y="1712743"/>
+                  </a:cubicBezTo>
+                  <a:cubicBezTo>
+                    <a:pt x="235426" y="1691655"/>
+                    <a:pt x="219908" y="1674866"/>
+                    <a:pt x="187325" y="1674643"/>
+                  </a:cubicBezTo>
+                  <a:cubicBezTo>
+                    <a:pt x="155148" y="1671165"/>
+                    <a:pt x="99125" y="1691596"/>
+                    <a:pt x="69850" y="1696868"/>
+                  </a:cubicBezTo>
+                  <a:cubicBezTo>
+                    <a:pt x="39907" y="1705173"/>
+                    <a:pt x="18226" y="1699590"/>
+                    <a:pt x="0" y="1703218"/>
                   </a:cubicBezTo>
                 </a:path>
               </a:pathLst>
@@ -4339,18 +4348,18 @@
             <a:custGeom>
               <a:avLst/>
               <a:gdLst>
-                <a:gd name="connsiteX0" fmla="*/ 0 w 815908"/>
-                <a:gd name="connsiteY0" fmla="*/ 1324134 h 1324134"/>
-                <a:gd name="connsiteX1" fmla="*/ 159335 w 815908"/>
-                <a:gd name="connsiteY1" fmla="*/ 1208753 h 1324134"/>
-                <a:gd name="connsiteX2" fmla="*/ 343395 w 815908"/>
-                <a:gd name="connsiteY2" fmla="*/ 997221 h 1324134"/>
-                <a:gd name="connsiteX3" fmla="*/ 623606 w 815908"/>
-                <a:gd name="connsiteY3" fmla="*/ 491742 h 1324134"/>
-                <a:gd name="connsiteX4" fmla="*/ 722504 w 815908"/>
-                <a:gd name="connsiteY4" fmla="*/ 269222 h 1324134"/>
-                <a:gd name="connsiteX5" fmla="*/ 815908 w 815908"/>
-                <a:gd name="connsiteY5" fmla="*/ 0 h 1324134"/>
+                <a:gd name="connsiteX0" fmla="*/ 0 w 942976"/>
+                <a:gd name="connsiteY0" fmla="*/ 1530347 h 1530347"/>
+                <a:gd name="connsiteX1" fmla="*/ 184150 w 942976"/>
+                <a:gd name="connsiteY1" fmla="*/ 1396997 h 1530347"/>
+                <a:gd name="connsiteX2" fmla="*/ 396875 w 942976"/>
+                <a:gd name="connsiteY2" fmla="*/ 1152522 h 1530347"/>
+                <a:gd name="connsiteX3" fmla="*/ 720725 w 942976"/>
+                <a:gd name="connsiteY3" fmla="*/ 568323 h 1530347"/>
+                <a:gd name="connsiteX4" fmla="*/ 835025 w 942976"/>
+                <a:gd name="connsiteY4" fmla="*/ 311149 h 1530347"/>
+                <a:gd name="connsiteX5" fmla="*/ 942976 w 942976"/>
+                <a:gd name="connsiteY5" fmla="*/ 0 h 1530347"/>
               </a:gdLst>
               <a:ahLst/>
               <a:cxnLst>
@@ -4375,34 +4384,34 @@
               </a:cxnLst>
               <a:rect l="l" t="t" r="r" b="b"/>
               <a:pathLst>
-                <a:path w="815908" h="1324134" extrusionOk="0">
+                <a:path w="942976" h="1530347" extrusionOk="0">
                   <a:moveTo>
-                    <a:pt x="0" y="1324134"/>
+                    <a:pt x="0" y="1530347"/>
                   </a:moveTo>
                   <a:cubicBezTo>
-                    <a:pt x="56897" y="1290293"/>
-                    <a:pt x="109911" y="1267705"/>
-                    <a:pt x="159335" y="1208753"/>
-                  </a:cubicBezTo>
-                  <a:cubicBezTo>
-                    <a:pt x="211572" y="1152927"/>
-                    <a:pt x="272727" y="1109770"/>
-                    <a:pt x="343395" y="997221"/>
-                  </a:cubicBezTo>
-                  <a:cubicBezTo>
-                    <a:pt x="416907" y="883326"/>
-                    <a:pt x="553300" y="606560"/>
-                    <a:pt x="623606" y="491742"/>
-                  </a:cubicBezTo>
-                  <a:cubicBezTo>
-                    <a:pt x="684838" y="372875"/>
-                    <a:pt x="692187" y="349205"/>
-                    <a:pt x="722504" y="269222"/>
-                  </a:cubicBezTo>
-                  <a:cubicBezTo>
-                    <a:pt x="766528" y="186096"/>
-                    <a:pt x="782709" y="95012"/>
-                    <a:pt x="815908" y="0"/>
+                    <a:pt x="63446" y="1492579"/>
+                    <a:pt x="119005" y="1460540"/>
+                    <a:pt x="184150" y="1396997"/>
+                  </a:cubicBezTo>
+                  <a:cubicBezTo>
+                    <a:pt x="239156" y="1331038"/>
+                    <a:pt x="309847" y="1288147"/>
+                    <a:pt x="396875" y="1152522"/>
+                  </a:cubicBezTo>
+                  <a:cubicBezTo>
+                    <a:pt x="469879" y="1038236"/>
+                    <a:pt x="626886" y="689509"/>
+                    <a:pt x="720725" y="568323"/>
+                  </a:cubicBezTo>
+                  <a:cubicBezTo>
+                    <a:pt x="791328" y="431153"/>
+                    <a:pt x="798952" y="404768"/>
+                    <a:pt x="835025" y="311149"/>
+                  </a:cubicBezTo>
+                  <a:cubicBezTo>
+                    <a:pt x="893463" y="214338"/>
+                    <a:pt x="904760" y="109724"/>
+                    <a:pt x="942976" y="0"/>
                   </a:cubicBezTo>
                 </a:path>
               </a:pathLst>
@@ -4541,14 +4550,14 @@
             <a:custGeom>
               <a:avLst/>
               <a:gdLst>
-                <a:gd name="connsiteX0" fmla="*/ 0 w 289166"/>
-                <a:gd name="connsiteY0" fmla="*/ 0 h 225268"/>
-                <a:gd name="connsiteX1" fmla="*/ 104392 w 289166"/>
-                <a:gd name="connsiteY1" fmla="*/ 60437 h 225268"/>
-                <a:gd name="connsiteX2" fmla="*/ 260980 w 289166"/>
-                <a:gd name="connsiteY2" fmla="*/ 181313 h 225268"/>
-                <a:gd name="connsiteX3" fmla="*/ 288452 w 289166"/>
-                <a:gd name="connsiteY3" fmla="*/ 225268 h 225268"/>
+                <a:gd name="connsiteX0" fmla="*/ 0 w 334200"/>
+                <a:gd name="connsiteY0" fmla="*/ 0 h 260350"/>
+                <a:gd name="connsiteX1" fmla="*/ 120650 w 334200"/>
+                <a:gd name="connsiteY1" fmla="*/ 69850 h 260350"/>
+                <a:gd name="connsiteX2" fmla="*/ 301625 w 334200"/>
+                <a:gd name="connsiteY2" fmla="*/ 209550 h 260350"/>
+                <a:gd name="connsiteX3" fmla="*/ 333375 w 334200"/>
+                <a:gd name="connsiteY3" fmla="*/ 260350 h 260350"/>
               </a:gdLst>
               <a:ahLst/>
               <a:cxnLst>
@@ -4567,24 +4576,2500 @@
               </a:cxnLst>
               <a:rect l="l" t="t" r="r" b="b"/>
               <a:pathLst>
-                <a:path w="289166" h="225268" extrusionOk="0">
+                <a:path w="334200" h="260350" extrusionOk="0">
                   <a:moveTo>
                     <a:pt x="0" y="0"/>
                   </a:moveTo>
                   <a:cubicBezTo>
-                    <a:pt x="29674" y="15877"/>
-                    <a:pt x="63694" y="29901"/>
-                    <a:pt x="104392" y="60437"/>
-                  </a:cubicBezTo>
-                  <a:cubicBezTo>
-                    <a:pt x="142526" y="87523"/>
-                    <a:pt x="229402" y="148703"/>
-                    <a:pt x="260980" y="181313"/>
-                  </a:cubicBezTo>
-                  <a:cubicBezTo>
-                    <a:pt x="290288" y="207813"/>
-                    <a:pt x="291017" y="217867"/>
-                    <a:pt x="288452" y="225268"/>
+                    <a:pt x="33609" y="19032"/>
+                    <a:pt x="77898" y="34075"/>
+                    <a:pt x="120650" y="69850"/>
+                  </a:cubicBezTo>
+                  <a:cubicBezTo>
+                    <a:pt x="168551" y="103390"/>
+                    <a:pt x="265822" y="175814"/>
+                    <a:pt x="301625" y="209550"/>
+                  </a:cubicBezTo>
+                  <a:cubicBezTo>
+                    <a:pt x="336240" y="240705"/>
+                    <a:pt x="336687" y="252101"/>
+                    <a:pt x="333375" y="260350"/>
+                  </a:cubicBezTo>
+                </a:path>
+              </a:pathLst>
+            </a:custGeom>
+            <a:noFill/>
+            <a:ln w="76200">
+              <a:solidFill>
+                <a:schemeClr val="bg1">
+                  <a:alpha val="50000"/>
+                </a:schemeClr>
+              </a:solidFill>
+              <a:extLst>
+                <a:ext uri="{C807C97D-BFC1-408E-A445-0C87EB9F89A2}">
+                  <ask:lineSketchStyleProps xmlns:ask="http://schemas.microsoft.com/office/drawing/2018/sketchyshapes" sd="2755890271">
+                    <a:custGeom>
+                      <a:avLst/>
+                      <a:gdLst>
+                        <a:gd name="connsiteX0" fmla="*/ 0 w 334200"/>
+                        <a:gd name="connsiteY0" fmla="*/ 0 h 260350"/>
+                        <a:gd name="connsiteX1" fmla="*/ 120650 w 334200"/>
+                        <a:gd name="connsiteY1" fmla="*/ 69850 h 260350"/>
+                        <a:gd name="connsiteX2" fmla="*/ 301625 w 334200"/>
+                        <a:gd name="connsiteY2" fmla="*/ 209550 h 260350"/>
+                        <a:gd name="connsiteX3" fmla="*/ 333375 w 334200"/>
+                        <a:gd name="connsiteY3" fmla="*/ 260350 h 260350"/>
+                      </a:gdLst>
+                      <a:ahLst/>
+                      <a:cxnLst>
+                        <a:cxn ang="0">
+                          <a:pos x="connsiteX0" y="connsiteY0"/>
+                        </a:cxn>
+                        <a:cxn ang="0">
+                          <a:pos x="connsiteX1" y="connsiteY1"/>
+                        </a:cxn>
+                        <a:cxn ang="0">
+                          <a:pos x="connsiteX2" y="connsiteY2"/>
+                        </a:cxn>
+                        <a:cxn ang="0">
+                          <a:pos x="connsiteX3" y="connsiteY3"/>
+                        </a:cxn>
+                      </a:cxnLst>
+                      <a:rect l="l" t="t" r="r" b="b"/>
+                      <a:pathLst>
+                        <a:path w="334200" h="260350">
+                          <a:moveTo>
+                            <a:pt x="0" y="0"/>
+                          </a:moveTo>
+                          <a:cubicBezTo>
+                            <a:pt x="35189" y="17462"/>
+                            <a:pt x="70379" y="34925"/>
+                            <a:pt x="120650" y="69850"/>
+                          </a:cubicBezTo>
+                          <a:cubicBezTo>
+                            <a:pt x="170921" y="104775"/>
+                            <a:pt x="266171" y="177800"/>
+                            <a:pt x="301625" y="209550"/>
+                          </a:cubicBezTo>
+                          <a:cubicBezTo>
+                            <a:pt x="337079" y="241300"/>
+                            <a:pt x="335227" y="250825"/>
+                            <a:pt x="333375" y="260350"/>
+                          </a:cubicBezTo>
+                        </a:path>
+                      </a:pathLst>
+                    </a:custGeom>
+                    <ask:type>
+                      <ask:lineSketchCurved/>
+                    </ask:type>
+                  </ask:lineSketchStyleProps>
+                </a:ext>
+              </a:extLst>
+            </a:ln>
+          </p:spPr>
+          <p:style>
+            <a:lnRef idx="2">
+              <a:schemeClr val="accent1">
+                <a:shade val="50000"/>
+              </a:schemeClr>
+            </a:lnRef>
+            <a:fillRef idx="1">
+              <a:schemeClr val="accent1"/>
+            </a:fillRef>
+            <a:effectRef idx="0">
+              <a:schemeClr val="accent1"/>
+            </a:effectRef>
+            <a:fontRef idx="minor">
+              <a:schemeClr val="lt1"/>
+            </a:fontRef>
+          </p:style>
+          <p:txBody>
+            <a:bodyPr rtlCol="0" anchor="ctr"/>
+            <a:lstStyle/>
+            <a:p>
+              <a:pPr algn="ctr"/>
+              <a:endParaRPr lang="en-US"/>
+            </a:p>
+          </p:txBody>
+        </p:sp>
+      </p:grpSp>
+      <p:sp>
+        <p:nvSpPr>
+          <p:cNvPr id="5" name="Rectangle 4">
+            <a:extLst>
+              <a:ext uri="{FF2B5EF4-FFF2-40B4-BE49-F238E27FC236}">
+                <a16:creationId xmlns:a16="http://schemas.microsoft.com/office/drawing/2014/main" id="{0CF21506-A185-C98A-86E6-9E58A254F116}"/>
+              </a:ext>
+            </a:extLst>
+          </p:cNvPr>
+          <p:cNvSpPr/>
+          <p:nvPr/>
+        </p:nvSpPr>
+        <p:spPr>
+          <a:xfrm>
+            <a:off x="0" y="2339950"/>
+            <a:ext cx="3600450" cy="2340000"/>
+          </a:xfrm>
+          <a:prstGeom prst="rect">
+            <a:avLst/>
+          </a:prstGeom>
+          <a:solidFill>
+            <a:schemeClr val="accent6">
+              <a:lumMod val="40000"/>
+              <a:lumOff val="60000"/>
+            </a:schemeClr>
+          </a:solidFill>
+          <a:ln>
+            <a:noFill/>
+          </a:ln>
+        </p:spPr>
+        <p:style>
+          <a:lnRef idx="2">
+            <a:schemeClr val="accent1">
+              <a:shade val="50000"/>
+            </a:schemeClr>
+          </a:lnRef>
+          <a:fillRef idx="1">
+            <a:schemeClr val="accent1"/>
+          </a:fillRef>
+          <a:effectRef idx="0">
+            <a:schemeClr val="accent1"/>
+          </a:effectRef>
+          <a:fontRef idx="minor">
+            <a:schemeClr val="lt1"/>
+          </a:fontRef>
+        </p:style>
+        <p:txBody>
+          <a:bodyPr rtlCol="0" anchor="ctr"/>
+          <a:lstStyle/>
+          <a:p>
+            <a:pPr algn="ctr"/>
+            <a:endParaRPr lang="en-US"/>
+          </a:p>
+        </p:txBody>
+      </p:sp>
+      <p:sp>
+        <p:nvSpPr>
+          <p:cNvPr id="37" name="TextBox 36">
+            <a:extLst>
+              <a:ext uri="{FF2B5EF4-FFF2-40B4-BE49-F238E27FC236}">
+                <a16:creationId xmlns:a16="http://schemas.microsoft.com/office/drawing/2014/main" id="{4981E9BF-27B4-B4C1-05F1-85D76C76D2D1}"/>
+              </a:ext>
+            </a:extLst>
+          </p:cNvPr>
+          <p:cNvSpPr txBox="1"/>
+          <p:nvPr/>
+        </p:nvSpPr>
+        <p:spPr>
+          <a:xfrm>
+            <a:off x="508846" y="1596910"/>
+            <a:ext cx="2582758" cy="769441"/>
+          </a:xfrm>
+          <a:prstGeom prst="rect">
+            <a:avLst/>
+          </a:prstGeom>
+          <a:noFill/>
+        </p:spPr>
+        <p:txBody>
+          <a:bodyPr wrap="none" rtlCol="0">
+            <a:spAutoFit/>
+          </a:bodyPr>
+          <a:lstStyle/>
+          <a:p>
+            <a:pPr algn="ctr"/>
+            <a:r>
+              <a:rPr lang="en-US" sz="4400" dirty="0">
+                <a:latin typeface="Baskerville Old Face" panose="02020602080505020303" pitchFamily="18" charset="0"/>
+                <a:cs typeface="Aharoni" panose="02010803020104030203" pitchFamily="2" charset="-79"/>
+              </a:rPr>
+              <a:t>MATLAB</a:t>
+            </a:r>
+          </a:p>
+        </p:txBody>
+      </p:sp>
+      <p:sp>
+        <p:nvSpPr>
+          <p:cNvPr id="38" name="TextBox 37">
+            <a:extLst>
+              <a:ext uri="{FF2B5EF4-FFF2-40B4-BE49-F238E27FC236}">
+                <a16:creationId xmlns:a16="http://schemas.microsoft.com/office/drawing/2014/main" id="{0066CE1A-1B7B-D7E4-137F-B9ADB866D599}"/>
+              </a:ext>
+            </a:extLst>
+          </p:cNvPr>
+          <p:cNvSpPr txBox="1"/>
+          <p:nvPr/>
+        </p:nvSpPr>
+        <p:spPr>
+          <a:xfrm>
+            <a:off x="1555986" y="1994166"/>
+            <a:ext cx="633507" cy="769441"/>
+          </a:xfrm>
+          <a:prstGeom prst="rect">
+            <a:avLst/>
+          </a:prstGeom>
+          <a:noFill/>
+        </p:spPr>
+        <p:txBody>
+          <a:bodyPr wrap="none" rtlCol="0">
+            <a:spAutoFit/>
+          </a:bodyPr>
+          <a:lstStyle/>
+          <a:p>
+            <a:pPr algn="ctr"/>
+            <a:r>
+              <a:rPr lang="en-US" sz="4400" dirty="0">
+                <a:latin typeface="Freestyle Script" panose="030804020302050B0404" pitchFamily="66" charset="0"/>
+              </a:rPr>
+              <a:t>for</a:t>
+            </a:r>
+          </a:p>
+        </p:txBody>
+      </p:sp>
+      <p:sp>
+        <p:nvSpPr>
+          <p:cNvPr id="39" name="TextBox 38">
+            <a:extLst>
+              <a:ext uri="{FF2B5EF4-FFF2-40B4-BE49-F238E27FC236}">
+                <a16:creationId xmlns:a16="http://schemas.microsoft.com/office/drawing/2014/main" id="{0528B8B6-B126-5DCE-2BD9-55AAE89A36F2}"/>
+              </a:ext>
+            </a:extLst>
+          </p:cNvPr>
+          <p:cNvSpPr txBox="1"/>
+          <p:nvPr/>
+        </p:nvSpPr>
+        <p:spPr>
+          <a:xfrm rot="20671504">
+            <a:off x="-59001" y="2229774"/>
+            <a:ext cx="3563918" cy="1200329"/>
+          </a:xfrm>
+          <a:prstGeom prst="rect">
+            <a:avLst/>
+          </a:prstGeom>
+          <a:noFill/>
+        </p:spPr>
+        <p:txBody>
+          <a:bodyPr wrap="square" rtlCol="0">
+            <a:spAutoFit/>
+          </a:bodyPr>
+          <a:lstStyle/>
+          <a:p>
+            <a:pPr algn="ctr"/>
+            <a:r>
+              <a:rPr lang="en-US" sz="7200" dirty="0">
+                <a:latin typeface="Edwardian Script ITC" panose="030303020407070D0804" pitchFamily="66" charset="0"/>
+              </a:rPr>
+              <a:t>Everybody</a:t>
+            </a:r>
+          </a:p>
+        </p:txBody>
+      </p:sp>
+      <p:sp>
+        <p:nvSpPr>
+          <p:cNvPr id="44" name="Rectangle 43">
+            <a:extLst>
+              <a:ext uri="{FF2B5EF4-FFF2-40B4-BE49-F238E27FC236}">
+                <a16:creationId xmlns:a16="http://schemas.microsoft.com/office/drawing/2014/main" id="{524BDBD9-2BEA-E080-4FD3-65D751C5DDE8}"/>
+              </a:ext>
+            </a:extLst>
+          </p:cNvPr>
+          <p:cNvSpPr/>
+          <p:nvPr/>
+        </p:nvSpPr>
+        <p:spPr>
+          <a:xfrm>
+            <a:off x="44829" y="29064"/>
+            <a:ext cx="3510792" cy="4621822"/>
+          </a:xfrm>
+          <a:prstGeom prst="rect">
+            <a:avLst/>
+          </a:prstGeom>
+          <a:noFill/>
+          <a:ln>
+            <a:solidFill>
+              <a:schemeClr val="bg1"/>
+            </a:solidFill>
+          </a:ln>
+        </p:spPr>
+        <p:style>
+          <a:lnRef idx="2">
+            <a:schemeClr val="accent1">
+              <a:shade val="50000"/>
+            </a:schemeClr>
+          </a:lnRef>
+          <a:fillRef idx="1">
+            <a:schemeClr val="accent1"/>
+          </a:fillRef>
+          <a:effectRef idx="0">
+            <a:schemeClr val="accent1"/>
+          </a:effectRef>
+          <a:fontRef idx="minor">
+            <a:schemeClr val="lt1"/>
+          </a:fontRef>
+        </p:style>
+        <p:txBody>
+          <a:bodyPr rtlCol="0" anchor="ctr"/>
+          <a:lstStyle/>
+          <a:p>
+            <a:pPr algn="ctr"/>
+            <a:endParaRPr lang="en-US"/>
+          </a:p>
+        </p:txBody>
+      </p:sp>
+      <p:sp>
+        <p:nvSpPr>
+          <p:cNvPr id="45" name="Rectangle 44">
+            <a:extLst>
+              <a:ext uri="{FF2B5EF4-FFF2-40B4-BE49-F238E27FC236}">
+                <a16:creationId xmlns:a16="http://schemas.microsoft.com/office/drawing/2014/main" id="{23212950-4CB6-D0E2-D185-74764BA0335A}"/>
+              </a:ext>
+            </a:extLst>
+          </p:cNvPr>
+          <p:cNvSpPr/>
+          <p:nvPr/>
+        </p:nvSpPr>
+        <p:spPr>
+          <a:xfrm>
+            <a:off x="84879" y="66978"/>
+            <a:ext cx="3441616" cy="4530753"/>
+          </a:xfrm>
+          <a:prstGeom prst="rect">
+            <a:avLst/>
+          </a:prstGeom>
+          <a:noFill/>
+          <a:ln>
+            <a:solidFill>
+              <a:schemeClr val="bg1"/>
+            </a:solidFill>
+          </a:ln>
+        </p:spPr>
+        <p:style>
+          <a:lnRef idx="2">
+            <a:schemeClr val="accent1">
+              <a:shade val="50000"/>
+            </a:schemeClr>
+          </a:lnRef>
+          <a:fillRef idx="1">
+            <a:schemeClr val="accent1"/>
+          </a:fillRef>
+          <a:effectRef idx="0">
+            <a:schemeClr val="accent1"/>
+          </a:effectRef>
+          <a:fontRef idx="minor">
+            <a:schemeClr val="lt1"/>
+          </a:fontRef>
+        </p:style>
+        <p:txBody>
+          <a:bodyPr rtlCol="0" anchor="ctr"/>
+          <a:lstStyle/>
+          <a:p>
+            <a:pPr algn="ctr"/>
+            <a:endParaRPr lang="en-US"/>
+          </a:p>
+        </p:txBody>
+      </p:sp>
+      <p:pic>
+        <p:nvPicPr>
+          <p:cNvPr id="52" name="Picture 51">
+            <a:extLst>
+              <a:ext uri="{FF2B5EF4-FFF2-40B4-BE49-F238E27FC236}">
+                <a16:creationId xmlns:a16="http://schemas.microsoft.com/office/drawing/2014/main" id="{1F092CDB-3003-2F92-7975-6565CB53F7F9}"/>
+              </a:ext>
+            </a:extLst>
+          </p:cNvPr>
+          <p:cNvPicPr>
+            <a:picLocks noChangeAspect="1"/>
+          </p:cNvPicPr>
+          <p:nvPr/>
+        </p:nvPicPr>
+        <p:blipFill rotWithShape="1">
+          <a:blip r:embed="rId2">
+            <a:alphaModFix amt="50000"/>
+          </a:blip>
+          <a:srcRect l="5600" t="3356" r="2541" b="2173"/>
+          <a:stretch/>
+        </p:blipFill>
+        <p:spPr>
+          <a:xfrm>
+            <a:off x="191063" y="4202476"/>
+            <a:ext cx="317647" cy="317645"/>
+          </a:xfrm>
+          <a:prstGeom prst="rect">
+            <a:avLst/>
+          </a:prstGeom>
+        </p:spPr>
+      </p:pic>
+    </p:spTree>
+    <p:extLst>
+      <p:ext uri="{BB962C8B-B14F-4D97-AF65-F5344CB8AC3E}">
+        <p14:creationId xmlns:p14="http://schemas.microsoft.com/office/powerpoint/2010/main" val="3447697917"/>
+      </p:ext>
+    </p:extLst>
+  </p:cSld>
+  <p:clrMapOvr>
+    <a:masterClrMapping/>
+  </p:clrMapOvr>
+</p:sld>
+</file>
+
+<file path=ppt/slides/slide3.xml><?xml version="1.0" encoding="utf-8"?>
+<p:sld xmlns:a="http://schemas.openxmlformats.org/drawingml/2006/main" xmlns:r="http://schemas.openxmlformats.org/officeDocument/2006/relationships" xmlns:p="http://schemas.openxmlformats.org/presentationml/2006/main">
+  <p:cSld>
+    <p:bg>
+      <p:bgPr>
+        <a:solidFill>
+          <a:schemeClr val="tx1"/>
+        </a:solidFill>
+        <a:effectLst/>
+      </p:bgPr>
+    </p:bg>
+    <p:spTree>
+      <p:nvGrpSpPr>
+        <p:cNvPr id="1" name=""/>
+        <p:cNvGrpSpPr/>
+        <p:nvPr/>
+      </p:nvGrpSpPr>
+      <p:grpSpPr>
+        <a:xfrm>
+          <a:off x="0" y="0"/>
+          <a:ext cx="0" cy="0"/>
+          <a:chOff x="0" y="0"/>
+          <a:chExt cx="0" cy="0"/>
+        </a:xfrm>
+      </p:grpSpPr>
+      <p:grpSp>
+        <p:nvGrpSpPr>
+          <p:cNvPr id="13" name="Group 12">
+            <a:extLst>
+              <a:ext uri="{FF2B5EF4-FFF2-40B4-BE49-F238E27FC236}">
+                <a16:creationId xmlns:a16="http://schemas.microsoft.com/office/drawing/2014/main" id="{844D2AC1-5E7A-E4EE-2AA3-5C38E614C094}"/>
+              </a:ext>
+            </a:extLst>
+          </p:cNvPr>
+          <p:cNvGrpSpPr/>
+          <p:nvPr/>
+        </p:nvGrpSpPr>
+        <p:grpSpPr>
+          <a:xfrm>
+            <a:off x="-1421130" y="-881380"/>
+            <a:ext cx="6442710" cy="6442710"/>
+            <a:chOff x="-125730" y="414020"/>
+            <a:chExt cx="3851910" cy="3851910"/>
+          </a:xfrm>
+        </p:grpSpPr>
+        <p:sp>
+          <p:nvSpPr>
+            <p:cNvPr id="6" name="Oval 5">
+              <a:extLst>
+                <a:ext uri="{FF2B5EF4-FFF2-40B4-BE49-F238E27FC236}">
+                  <a16:creationId xmlns:a16="http://schemas.microsoft.com/office/drawing/2014/main" id="{D0A606E1-27C9-C35B-24F5-DE91F507E87F}"/>
+                </a:ext>
+              </a:extLst>
+            </p:cNvPr>
+            <p:cNvSpPr/>
+            <p:nvPr/>
+          </p:nvSpPr>
+          <p:spPr>
+            <a:xfrm>
+              <a:off x="1343025" y="1882775"/>
+              <a:ext cx="914400" cy="914400"/>
+            </a:xfrm>
+            <a:prstGeom prst="ellipse">
+              <a:avLst/>
+            </a:prstGeom>
+            <a:noFill/>
+            <a:ln>
+              <a:solidFill>
+                <a:schemeClr val="tx1">
+                  <a:lumMod val="65000"/>
+                  <a:lumOff val="35000"/>
+                </a:schemeClr>
+              </a:solidFill>
+            </a:ln>
+          </p:spPr>
+          <p:style>
+            <a:lnRef idx="2">
+              <a:schemeClr val="accent1">
+                <a:shade val="50000"/>
+              </a:schemeClr>
+            </a:lnRef>
+            <a:fillRef idx="1">
+              <a:schemeClr val="accent1"/>
+            </a:fillRef>
+            <a:effectRef idx="0">
+              <a:schemeClr val="accent1"/>
+            </a:effectRef>
+            <a:fontRef idx="minor">
+              <a:schemeClr val="lt1"/>
+            </a:fontRef>
+          </p:style>
+          <p:txBody>
+            <a:bodyPr rtlCol="0" anchor="ctr"/>
+            <a:lstStyle/>
+            <a:p>
+              <a:pPr algn="ctr"/>
+              <a:endParaRPr lang="en-US"/>
+            </a:p>
+          </p:txBody>
+        </p:sp>
+        <p:sp>
+          <p:nvSpPr>
+            <p:cNvPr id="7" name="Oval 6">
+              <a:extLst>
+                <a:ext uri="{FF2B5EF4-FFF2-40B4-BE49-F238E27FC236}">
+                  <a16:creationId xmlns:a16="http://schemas.microsoft.com/office/drawing/2014/main" id="{FDA39022-842E-2B02-730E-3BC00C4F1EEC}"/>
+                </a:ext>
+              </a:extLst>
+            </p:cNvPr>
+            <p:cNvSpPr/>
+            <p:nvPr/>
+          </p:nvSpPr>
+          <p:spPr>
+            <a:xfrm>
+              <a:off x="1098550" y="1638300"/>
+              <a:ext cx="1403350" cy="1403350"/>
+            </a:xfrm>
+            <a:prstGeom prst="ellipse">
+              <a:avLst/>
+            </a:prstGeom>
+            <a:noFill/>
+            <a:ln>
+              <a:solidFill>
+                <a:schemeClr val="tx1">
+                  <a:lumMod val="65000"/>
+                  <a:lumOff val="35000"/>
+                </a:schemeClr>
+              </a:solidFill>
+            </a:ln>
+          </p:spPr>
+          <p:style>
+            <a:lnRef idx="2">
+              <a:schemeClr val="accent1">
+                <a:shade val="50000"/>
+              </a:schemeClr>
+            </a:lnRef>
+            <a:fillRef idx="1">
+              <a:schemeClr val="accent1"/>
+            </a:fillRef>
+            <a:effectRef idx="0">
+              <a:schemeClr val="accent1"/>
+            </a:effectRef>
+            <a:fontRef idx="minor">
+              <a:schemeClr val="lt1"/>
+            </a:fontRef>
+          </p:style>
+          <p:txBody>
+            <a:bodyPr rtlCol="0" anchor="ctr"/>
+            <a:lstStyle/>
+            <a:p>
+              <a:pPr algn="ctr"/>
+              <a:endParaRPr lang="en-US"/>
+            </a:p>
+          </p:txBody>
+        </p:sp>
+        <p:sp>
+          <p:nvSpPr>
+            <p:cNvPr id="8" name="Oval 7">
+              <a:extLst>
+                <a:ext uri="{FF2B5EF4-FFF2-40B4-BE49-F238E27FC236}">
+                  <a16:creationId xmlns:a16="http://schemas.microsoft.com/office/drawing/2014/main" id="{2817674B-6F81-01FF-46C6-A5B1F333DD7B}"/>
+                </a:ext>
+              </a:extLst>
+            </p:cNvPr>
+            <p:cNvSpPr/>
+            <p:nvPr/>
+          </p:nvSpPr>
+          <p:spPr>
+            <a:xfrm>
+              <a:off x="819150" y="1358900"/>
+              <a:ext cx="1962150" cy="1962150"/>
+            </a:xfrm>
+            <a:prstGeom prst="ellipse">
+              <a:avLst/>
+            </a:prstGeom>
+            <a:noFill/>
+            <a:ln>
+              <a:solidFill>
+                <a:schemeClr val="tx1">
+                  <a:lumMod val="65000"/>
+                  <a:lumOff val="35000"/>
+                </a:schemeClr>
+              </a:solidFill>
+            </a:ln>
+          </p:spPr>
+          <p:style>
+            <a:lnRef idx="2">
+              <a:schemeClr val="accent1">
+                <a:shade val="50000"/>
+              </a:schemeClr>
+            </a:lnRef>
+            <a:fillRef idx="1">
+              <a:schemeClr val="accent1"/>
+            </a:fillRef>
+            <a:effectRef idx="0">
+              <a:schemeClr val="accent1"/>
+            </a:effectRef>
+            <a:fontRef idx="minor">
+              <a:schemeClr val="lt1"/>
+            </a:fontRef>
+          </p:style>
+          <p:txBody>
+            <a:bodyPr rtlCol="0" anchor="ctr"/>
+            <a:lstStyle/>
+            <a:p>
+              <a:pPr algn="ctr"/>
+              <a:endParaRPr lang="en-US"/>
+            </a:p>
+          </p:txBody>
+        </p:sp>
+        <p:sp>
+          <p:nvSpPr>
+            <p:cNvPr id="9" name="Oval 8">
+              <a:extLst>
+                <a:ext uri="{FF2B5EF4-FFF2-40B4-BE49-F238E27FC236}">
+                  <a16:creationId xmlns:a16="http://schemas.microsoft.com/office/drawing/2014/main" id="{5C937C71-8312-2480-D629-F549C1962A7B}"/>
+                </a:ext>
+              </a:extLst>
+            </p:cNvPr>
+            <p:cNvSpPr/>
+            <p:nvPr/>
+          </p:nvSpPr>
+          <p:spPr>
+            <a:xfrm>
+              <a:off x="-125730" y="414020"/>
+              <a:ext cx="3851910" cy="3851910"/>
+            </a:xfrm>
+            <a:prstGeom prst="ellipse">
+              <a:avLst/>
+            </a:prstGeom>
+            <a:noFill/>
+            <a:ln>
+              <a:solidFill>
+                <a:schemeClr val="tx1">
+                  <a:lumMod val="65000"/>
+                  <a:lumOff val="35000"/>
+                </a:schemeClr>
+              </a:solidFill>
+            </a:ln>
+          </p:spPr>
+          <p:style>
+            <a:lnRef idx="2">
+              <a:schemeClr val="accent1">
+                <a:shade val="50000"/>
+              </a:schemeClr>
+            </a:lnRef>
+            <a:fillRef idx="1">
+              <a:schemeClr val="accent1"/>
+            </a:fillRef>
+            <a:effectRef idx="0">
+              <a:schemeClr val="accent1"/>
+            </a:effectRef>
+            <a:fontRef idx="minor">
+              <a:schemeClr val="lt1"/>
+            </a:fontRef>
+          </p:style>
+          <p:txBody>
+            <a:bodyPr rtlCol="0" anchor="ctr"/>
+            <a:lstStyle/>
+            <a:p>
+              <a:pPr algn="ctr"/>
+              <a:endParaRPr lang="en-US" dirty="0"/>
+            </a:p>
+          </p:txBody>
+        </p:sp>
+        <p:sp>
+          <p:nvSpPr>
+            <p:cNvPr id="10" name="Oval 9">
+              <a:extLst>
+                <a:ext uri="{FF2B5EF4-FFF2-40B4-BE49-F238E27FC236}">
+                  <a16:creationId xmlns:a16="http://schemas.microsoft.com/office/drawing/2014/main" id="{EFA29E0D-29D0-7A54-8A16-52E7142AFCB8}"/>
+                </a:ext>
+              </a:extLst>
+            </p:cNvPr>
+            <p:cNvSpPr/>
+            <p:nvPr/>
+          </p:nvSpPr>
+          <p:spPr>
+            <a:xfrm>
+              <a:off x="245110" y="784860"/>
+              <a:ext cx="3110230" cy="3110230"/>
+            </a:xfrm>
+            <a:prstGeom prst="ellipse">
+              <a:avLst/>
+            </a:prstGeom>
+            <a:noFill/>
+            <a:ln>
+              <a:solidFill>
+                <a:schemeClr val="tx1">
+                  <a:lumMod val="65000"/>
+                  <a:lumOff val="35000"/>
+                </a:schemeClr>
+              </a:solidFill>
+            </a:ln>
+          </p:spPr>
+          <p:style>
+            <a:lnRef idx="2">
+              <a:schemeClr val="accent1">
+                <a:shade val="50000"/>
+              </a:schemeClr>
+            </a:lnRef>
+            <a:fillRef idx="1">
+              <a:schemeClr val="accent1"/>
+            </a:fillRef>
+            <a:effectRef idx="0">
+              <a:schemeClr val="accent1"/>
+            </a:effectRef>
+            <a:fontRef idx="minor">
+              <a:schemeClr val="lt1"/>
+            </a:fontRef>
+          </p:style>
+          <p:txBody>
+            <a:bodyPr rtlCol="0" anchor="ctr"/>
+            <a:lstStyle/>
+            <a:p>
+              <a:pPr algn="ctr"/>
+              <a:endParaRPr lang="en-US"/>
+            </a:p>
+          </p:txBody>
+        </p:sp>
+        <p:sp>
+          <p:nvSpPr>
+            <p:cNvPr id="11" name="Oval 10">
+              <a:extLst>
+                <a:ext uri="{FF2B5EF4-FFF2-40B4-BE49-F238E27FC236}">
+                  <a16:creationId xmlns:a16="http://schemas.microsoft.com/office/drawing/2014/main" id="{DAE53A79-263D-DB48-2D4C-38D69A2BC286}"/>
+                </a:ext>
+              </a:extLst>
+            </p:cNvPr>
+            <p:cNvSpPr/>
+            <p:nvPr/>
+          </p:nvSpPr>
+          <p:spPr>
+            <a:xfrm>
+              <a:off x="567690" y="1107440"/>
+              <a:ext cx="2465070" cy="2465070"/>
+            </a:xfrm>
+            <a:prstGeom prst="ellipse">
+              <a:avLst/>
+            </a:prstGeom>
+            <a:noFill/>
+            <a:ln>
+              <a:solidFill>
+                <a:schemeClr val="tx1">
+                  <a:lumMod val="65000"/>
+                  <a:lumOff val="35000"/>
+                </a:schemeClr>
+              </a:solidFill>
+            </a:ln>
+          </p:spPr>
+          <p:style>
+            <a:lnRef idx="2">
+              <a:schemeClr val="accent1">
+                <a:shade val="50000"/>
+              </a:schemeClr>
+            </a:lnRef>
+            <a:fillRef idx="1">
+              <a:schemeClr val="accent1"/>
+            </a:fillRef>
+            <a:effectRef idx="0">
+              <a:schemeClr val="accent1"/>
+            </a:effectRef>
+            <a:fontRef idx="minor">
+              <a:schemeClr val="lt1"/>
+            </a:fontRef>
+          </p:style>
+          <p:txBody>
+            <a:bodyPr rtlCol="0" anchor="ctr"/>
+            <a:lstStyle/>
+            <a:p>
+              <a:pPr algn="ctr"/>
+              <a:endParaRPr lang="en-US"/>
+            </a:p>
+          </p:txBody>
+        </p:sp>
+      </p:grpSp>
+      <p:sp>
+        <p:nvSpPr>
+          <p:cNvPr id="14" name="TextBox 13">
+            <a:extLst>
+              <a:ext uri="{FF2B5EF4-FFF2-40B4-BE49-F238E27FC236}">
+                <a16:creationId xmlns:a16="http://schemas.microsoft.com/office/drawing/2014/main" id="{101D7E5B-5468-1619-789D-13B33866797A}"/>
+              </a:ext>
+            </a:extLst>
+          </p:cNvPr>
+          <p:cNvSpPr txBox="1"/>
+          <p:nvPr/>
+        </p:nvSpPr>
+        <p:spPr>
+          <a:xfrm>
+            <a:off x="619787" y="1057674"/>
+            <a:ext cx="2383986" cy="769441"/>
+          </a:xfrm>
+          <a:prstGeom prst="rect">
+            <a:avLst/>
+          </a:prstGeom>
+          <a:noFill/>
+        </p:spPr>
+        <p:txBody>
+          <a:bodyPr wrap="none" rtlCol="0">
+            <a:spAutoFit/>
+          </a:bodyPr>
+          <a:lstStyle/>
+          <a:p>
+            <a:pPr algn="ctr"/>
+            <a:r>
+              <a:rPr lang="en-US" sz="4400" dirty="0">
+                <a:solidFill>
+                  <a:schemeClr val="bg1"/>
+                </a:solidFill>
+                <a:latin typeface="Aharoni" panose="02010803020104030203" pitchFamily="2" charset="-79"/>
+                <a:cs typeface="Aharoni" panose="02010803020104030203" pitchFamily="2" charset="-79"/>
+              </a:rPr>
+              <a:t>MATLAB</a:t>
+            </a:r>
+          </a:p>
+        </p:txBody>
+      </p:sp>
+      <p:sp>
+        <p:nvSpPr>
+          <p:cNvPr id="15" name="TextBox 14">
+            <a:extLst>
+              <a:ext uri="{FF2B5EF4-FFF2-40B4-BE49-F238E27FC236}">
+                <a16:creationId xmlns:a16="http://schemas.microsoft.com/office/drawing/2014/main" id="{E57E1BC4-4E53-4EB9-20CA-9B24EAB10555}"/>
+              </a:ext>
+            </a:extLst>
+          </p:cNvPr>
+          <p:cNvSpPr txBox="1"/>
+          <p:nvPr/>
+        </p:nvSpPr>
+        <p:spPr>
+          <a:xfrm rot="20671504">
+            <a:off x="-119961" y="1587028"/>
+            <a:ext cx="3563918" cy="1200329"/>
+          </a:xfrm>
+          <a:prstGeom prst="rect">
+            <a:avLst/>
+          </a:prstGeom>
+          <a:noFill/>
+        </p:spPr>
+        <p:txBody>
+          <a:bodyPr wrap="square" rtlCol="0">
+            <a:spAutoFit/>
+          </a:bodyPr>
+          <a:lstStyle/>
+          <a:p>
+            <a:pPr algn="ctr"/>
+            <a:r>
+              <a:rPr lang="en-US" sz="7200" dirty="0">
+                <a:solidFill>
+                  <a:schemeClr val="bg1"/>
+                </a:solidFill>
+                <a:latin typeface="Edwardian Script ITC" panose="030303020407070D0804" pitchFamily="66" charset="0"/>
+              </a:rPr>
+              <a:t>Everybody</a:t>
+            </a:r>
+          </a:p>
+        </p:txBody>
+      </p:sp>
+      <p:sp>
+        <p:nvSpPr>
+          <p:cNvPr id="16" name="TextBox 15">
+            <a:extLst>
+              <a:ext uri="{FF2B5EF4-FFF2-40B4-BE49-F238E27FC236}">
+                <a16:creationId xmlns:a16="http://schemas.microsoft.com/office/drawing/2014/main" id="{0A6B409D-1D32-D176-4601-A639DDDF62CA}"/>
+              </a:ext>
+            </a:extLst>
+          </p:cNvPr>
+          <p:cNvSpPr txBox="1"/>
+          <p:nvPr/>
+        </p:nvSpPr>
+        <p:spPr>
+          <a:xfrm>
+            <a:off x="1555986" y="1384566"/>
+            <a:ext cx="633507" cy="769441"/>
+          </a:xfrm>
+          <a:prstGeom prst="rect">
+            <a:avLst/>
+          </a:prstGeom>
+          <a:noFill/>
+        </p:spPr>
+        <p:txBody>
+          <a:bodyPr wrap="none" rtlCol="0">
+            <a:spAutoFit/>
+          </a:bodyPr>
+          <a:lstStyle/>
+          <a:p>
+            <a:pPr algn="ctr"/>
+            <a:r>
+              <a:rPr lang="en-US" sz="4400" dirty="0">
+                <a:solidFill>
+                  <a:schemeClr val="bg1"/>
+                </a:solidFill>
+                <a:latin typeface="Freestyle Script" panose="030804020302050B0404" pitchFamily="66" charset="0"/>
+              </a:rPr>
+              <a:t>for</a:t>
+            </a:r>
+          </a:p>
+        </p:txBody>
+      </p:sp>
+      <p:sp>
+        <p:nvSpPr>
+          <p:cNvPr id="17" name="TextBox 16">
+            <a:extLst>
+              <a:ext uri="{FF2B5EF4-FFF2-40B4-BE49-F238E27FC236}">
+                <a16:creationId xmlns:a16="http://schemas.microsoft.com/office/drawing/2014/main" id="{CB6106BE-3980-F4B9-7F22-F1EB13D49FA0}"/>
+              </a:ext>
+            </a:extLst>
+          </p:cNvPr>
+          <p:cNvSpPr txBox="1"/>
+          <p:nvPr/>
+        </p:nvSpPr>
+        <p:spPr>
+          <a:xfrm>
+            <a:off x="1087063" y="3132045"/>
+            <a:ext cx="1449436" cy="369332"/>
+          </a:xfrm>
+          <a:prstGeom prst="rect">
+            <a:avLst/>
+          </a:prstGeom>
+          <a:noFill/>
+        </p:spPr>
+        <p:txBody>
+          <a:bodyPr wrap="none" rtlCol="0">
+            <a:spAutoFit/>
+          </a:bodyPr>
+          <a:lstStyle/>
+          <a:p>
+            <a:pPr algn="ctr"/>
+            <a:r>
+              <a:rPr lang="en-US" dirty="0">
+                <a:solidFill>
+                  <a:schemeClr val="bg1"/>
+                </a:solidFill>
+                <a:latin typeface="Aharoni" panose="02010803020104030203" pitchFamily="2" charset="-79"/>
+                <a:cs typeface="Aharoni" panose="02010803020104030203" pitchFamily="2" charset="-79"/>
+              </a:rPr>
+              <a:t>Angelo Yeo</a:t>
+            </a:r>
+          </a:p>
+        </p:txBody>
+      </p:sp>
+    </p:spTree>
+    <p:extLst>
+      <p:ext uri="{BB962C8B-B14F-4D97-AF65-F5344CB8AC3E}">
+        <p14:creationId xmlns:p14="http://schemas.microsoft.com/office/powerpoint/2010/main" val="564653822"/>
+      </p:ext>
+    </p:extLst>
+  </p:cSld>
+  <p:clrMapOvr>
+    <a:masterClrMapping/>
+  </p:clrMapOvr>
+</p:sld>
+</file>
+
+<file path=ppt/slides/slide4.xml><?xml version="1.0" encoding="utf-8"?>
+<p:sld xmlns:a="http://schemas.openxmlformats.org/drawingml/2006/main" xmlns:r="http://schemas.openxmlformats.org/officeDocument/2006/relationships" xmlns:p="http://schemas.openxmlformats.org/presentationml/2006/main">
+  <p:cSld>
+    <p:spTree>
+      <p:nvGrpSpPr>
+        <p:cNvPr id="1" name=""/>
+        <p:cNvGrpSpPr/>
+        <p:nvPr/>
+      </p:nvGrpSpPr>
+      <p:grpSpPr>
+        <a:xfrm>
+          <a:off x="0" y="0"/>
+          <a:ext cx="0" cy="0"/>
+          <a:chOff x="0" y="0"/>
+          <a:chExt cx="0" cy="0"/>
+        </a:xfrm>
+      </p:grpSpPr>
+      <p:sp>
+        <p:nvSpPr>
+          <p:cNvPr id="6" name="Rectangle 5">
+            <a:extLst>
+              <a:ext uri="{FF2B5EF4-FFF2-40B4-BE49-F238E27FC236}">
+                <a16:creationId xmlns:a16="http://schemas.microsoft.com/office/drawing/2014/main" id="{A705D2A5-C783-42B7-1B71-22A013099CF8}"/>
+              </a:ext>
+            </a:extLst>
+          </p:cNvPr>
+          <p:cNvSpPr/>
+          <p:nvPr/>
+        </p:nvSpPr>
+        <p:spPr>
+          <a:xfrm>
+            <a:off x="0" y="0"/>
+            <a:ext cx="3600450" cy="4679950"/>
+          </a:xfrm>
+          <a:prstGeom prst="rect">
+            <a:avLst/>
+          </a:prstGeom>
+          <a:solidFill>
+            <a:srgbClr val="D95242"/>
+          </a:solidFill>
+          <a:ln>
+            <a:noFill/>
+          </a:ln>
+        </p:spPr>
+        <p:style>
+          <a:lnRef idx="2">
+            <a:schemeClr val="accent1">
+              <a:shade val="50000"/>
+            </a:schemeClr>
+          </a:lnRef>
+          <a:fillRef idx="1">
+            <a:schemeClr val="accent1"/>
+          </a:fillRef>
+          <a:effectRef idx="0">
+            <a:schemeClr val="accent1"/>
+          </a:effectRef>
+          <a:fontRef idx="minor">
+            <a:schemeClr val="lt1"/>
+          </a:fontRef>
+        </p:style>
+        <p:txBody>
+          <a:bodyPr rtlCol="0" anchor="ctr"/>
+          <a:lstStyle/>
+          <a:p>
+            <a:pPr algn="ctr"/>
+            <a:endParaRPr lang="en-US"/>
+          </a:p>
+        </p:txBody>
+      </p:sp>
+      <p:sp>
+        <p:nvSpPr>
+          <p:cNvPr id="7" name="Rectangle: Rounded Corners 6">
+            <a:extLst>
+              <a:ext uri="{FF2B5EF4-FFF2-40B4-BE49-F238E27FC236}">
+                <a16:creationId xmlns:a16="http://schemas.microsoft.com/office/drawing/2014/main" id="{74BCEE91-D9F2-F798-D30F-A6236DFAD769}"/>
+              </a:ext>
+            </a:extLst>
+          </p:cNvPr>
+          <p:cNvSpPr/>
+          <p:nvPr/>
+        </p:nvSpPr>
+        <p:spPr>
+          <a:xfrm>
+            <a:off x="175259" y="408622"/>
+            <a:ext cx="3244215" cy="3852227"/>
+          </a:xfrm>
+          <a:prstGeom prst="roundRect">
+            <a:avLst>
+              <a:gd name="adj" fmla="val 6293"/>
+            </a:avLst>
+          </a:prstGeom>
+          <a:solidFill>
+            <a:srgbClr val="FFF3CE"/>
+          </a:solidFill>
+          <a:ln>
+            <a:noFill/>
+          </a:ln>
+        </p:spPr>
+        <p:style>
+          <a:lnRef idx="2">
+            <a:schemeClr val="accent1">
+              <a:shade val="50000"/>
+            </a:schemeClr>
+          </a:lnRef>
+          <a:fillRef idx="1">
+            <a:schemeClr val="accent1"/>
+          </a:fillRef>
+          <a:effectRef idx="0">
+            <a:schemeClr val="accent1"/>
+          </a:effectRef>
+          <a:fontRef idx="minor">
+            <a:schemeClr val="lt1"/>
+          </a:fontRef>
+        </p:style>
+        <p:txBody>
+          <a:bodyPr rtlCol="0" anchor="ctr"/>
+          <a:lstStyle/>
+          <a:p>
+            <a:pPr algn="ctr"/>
+            <a:endParaRPr lang="en-US"/>
+          </a:p>
+        </p:txBody>
+      </p:sp>
+      <p:pic>
+        <p:nvPicPr>
+          <p:cNvPr id="10" name="Picture 9" descr="Text&#10;&#10;Description automatically generated with medium confidence">
+            <a:extLst>
+              <a:ext uri="{FF2B5EF4-FFF2-40B4-BE49-F238E27FC236}">
+                <a16:creationId xmlns:a16="http://schemas.microsoft.com/office/drawing/2014/main" id="{8648C062-6308-1A75-CC0E-7D4FAA71F9A0}"/>
+              </a:ext>
+            </a:extLst>
+          </p:cNvPr>
+          <p:cNvPicPr>
+            <a:picLocks noChangeAspect="1"/>
+          </p:cNvPicPr>
+          <p:nvPr/>
+        </p:nvPicPr>
+        <p:blipFill rotWithShape="1">
+          <a:blip r:embed="rId2">
+            <a:extLst>
+              <a:ext uri="{28A0092B-C50C-407E-A947-70E740481C1C}">
+                <a14:useLocalDpi xmlns:a14="http://schemas.microsoft.com/office/drawing/2010/main" val="0"/>
+              </a:ext>
+            </a:extLst>
+          </a:blip>
+          <a:srcRect l="7871" t="9770" r="6820" b="10224"/>
+          <a:stretch/>
+        </p:blipFill>
+        <p:spPr>
+          <a:xfrm>
+            <a:off x="549275" y="467836"/>
+            <a:ext cx="2501900" cy="3744278"/>
+          </a:xfrm>
+          <a:prstGeom prst="rect">
+            <a:avLst/>
+          </a:prstGeom>
+        </p:spPr>
+      </p:pic>
+    </p:spTree>
+    <p:extLst>
+      <p:ext uri="{BB962C8B-B14F-4D97-AF65-F5344CB8AC3E}">
+        <p14:creationId xmlns:p14="http://schemas.microsoft.com/office/powerpoint/2010/main" val="1707767414"/>
+      </p:ext>
+    </p:extLst>
+  </p:cSld>
+  <p:clrMapOvr>
+    <a:masterClrMapping/>
+  </p:clrMapOvr>
+</p:sld>
+</file>
+
+<file path=ppt/slides/slide5.xml><?xml version="1.0" encoding="utf-8"?>
+<p:sld xmlns:a="http://schemas.openxmlformats.org/drawingml/2006/main" xmlns:r="http://schemas.openxmlformats.org/officeDocument/2006/relationships" xmlns:p="http://schemas.openxmlformats.org/presentationml/2006/main">
+  <p:cSld>
+    <p:spTree>
+      <p:nvGrpSpPr>
+        <p:cNvPr id="1" name=""/>
+        <p:cNvGrpSpPr/>
+        <p:nvPr/>
+      </p:nvGrpSpPr>
+      <p:grpSpPr>
+        <a:xfrm>
+          <a:off x="0" y="0"/>
+          <a:ext cx="0" cy="0"/>
+          <a:chOff x="0" y="0"/>
+          <a:chExt cx="0" cy="0"/>
+        </a:xfrm>
+      </p:grpSpPr>
+      <p:pic>
+        <p:nvPicPr>
+          <p:cNvPr id="4" name="Picture 3" descr="A picture containing diagram&#10;&#10;Description automatically generated">
+            <a:extLst>
+              <a:ext uri="{FF2B5EF4-FFF2-40B4-BE49-F238E27FC236}">
+                <a16:creationId xmlns:a16="http://schemas.microsoft.com/office/drawing/2014/main" id="{974AB3A2-274C-B36A-4331-3CE4CCFFBE2B}"/>
+              </a:ext>
+            </a:extLst>
+          </p:cNvPr>
+          <p:cNvPicPr>
+            <a:picLocks noChangeAspect="1"/>
+          </p:cNvPicPr>
+          <p:nvPr/>
+        </p:nvPicPr>
+        <p:blipFill rotWithShape="1">
+          <a:blip r:embed="rId2">
+            <a:extLst>
+              <a:ext uri="{28A0092B-C50C-407E-A947-70E740481C1C}">
+                <a14:useLocalDpi xmlns:a14="http://schemas.microsoft.com/office/drawing/2010/main" val="0"/>
+              </a:ext>
+            </a:extLst>
+          </a:blip>
+          <a:srcRect t="9272" b="9272"/>
+          <a:stretch/>
+        </p:blipFill>
+        <p:spPr>
+          <a:xfrm>
+            <a:off x="0" y="-1"/>
+            <a:ext cx="3600452" cy="4679951"/>
+          </a:xfrm>
+          <a:prstGeom prst="rect">
+            <a:avLst/>
+          </a:prstGeom>
+        </p:spPr>
+      </p:pic>
+    </p:spTree>
+    <p:extLst>
+      <p:ext uri="{BB962C8B-B14F-4D97-AF65-F5344CB8AC3E}">
+        <p14:creationId xmlns:p14="http://schemas.microsoft.com/office/powerpoint/2010/main" val="3734156597"/>
+      </p:ext>
+    </p:extLst>
+  </p:cSld>
+  <p:clrMapOvr>
+    <a:masterClrMapping/>
+  </p:clrMapOvr>
+</p:sld>
+</file>
+
+<file path=ppt/slides/slide6.xml><?xml version="1.0" encoding="utf-8"?>
+<p:sld xmlns:a="http://schemas.openxmlformats.org/drawingml/2006/main" xmlns:r="http://schemas.openxmlformats.org/officeDocument/2006/relationships" xmlns:p="http://schemas.openxmlformats.org/presentationml/2006/main">
+  <p:cSld>
+    <p:spTree>
+      <p:nvGrpSpPr>
+        <p:cNvPr id="1" name=""/>
+        <p:cNvGrpSpPr/>
+        <p:nvPr/>
+      </p:nvGrpSpPr>
+      <p:grpSpPr>
+        <a:xfrm>
+          <a:off x="0" y="0"/>
+          <a:ext cx="0" cy="0"/>
+          <a:chOff x="0" y="0"/>
+          <a:chExt cx="0" cy="0"/>
+        </a:xfrm>
+      </p:grpSpPr>
+      <p:sp>
+        <p:nvSpPr>
+          <p:cNvPr id="4" name="Rectangle 3">
+            <a:extLst>
+              <a:ext uri="{FF2B5EF4-FFF2-40B4-BE49-F238E27FC236}">
+                <a16:creationId xmlns:a16="http://schemas.microsoft.com/office/drawing/2014/main" id="{4BF84042-76FF-A81E-5995-1656DE719884}"/>
+              </a:ext>
+            </a:extLst>
+          </p:cNvPr>
+          <p:cNvSpPr/>
+          <p:nvPr/>
+        </p:nvSpPr>
+        <p:spPr>
+          <a:xfrm>
+            <a:off x="0" y="0"/>
+            <a:ext cx="3600450" cy="2340000"/>
+          </a:xfrm>
+          <a:prstGeom prst="rect">
+            <a:avLst/>
+          </a:prstGeom>
+          <a:solidFill>
+            <a:schemeClr val="accent2">
+              <a:lumMod val="40000"/>
+              <a:lumOff val="60000"/>
+            </a:schemeClr>
+          </a:solidFill>
+          <a:ln>
+            <a:noFill/>
+          </a:ln>
+        </p:spPr>
+        <p:style>
+          <a:lnRef idx="2">
+            <a:schemeClr val="accent1">
+              <a:shade val="50000"/>
+            </a:schemeClr>
+          </a:lnRef>
+          <a:fillRef idx="1">
+            <a:schemeClr val="accent1"/>
+          </a:fillRef>
+          <a:effectRef idx="0">
+            <a:schemeClr val="accent1"/>
+          </a:effectRef>
+          <a:fontRef idx="minor">
+            <a:schemeClr val="lt1"/>
+          </a:fontRef>
+        </p:style>
+        <p:txBody>
+          <a:bodyPr rtlCol="0" anchor="ctr"/>
+          <a:lstStyle/>
+          <a:p>
+            <a:pPr algn="ctr"/>
+            <a:endParaRPr lang="en-US" dirty="0"/>
+          </a:p>
+        </p:txBody>
+      </p:sp>
+      <p:grpSp>
+        <p:nvGrpSpPr>
+          <p:cNvPr id="35" name="Group 34">
+            <a:extLst>
+              <a:ext uri="{FF2B5EF4-FFF2-40B4-BE49-F238E27FC236}">
+                <a16:creationId xmlns:a16="http://schemas.microsoft.com/office/drawing/2014/main" id="{EFA90DA9-E39E-F499-C887-57ABB37C317A}"/>
+              </a:ext>
+            </a:extLst>
+          </p:cNvPr>
+          <p:cNvGrpSpPr/>
+          <p:nvPr/>
+        </p:nvGrpSpPr>
+        <p:grpSpPr>
+          <a:xfrm>
+            <a:off x="649411" y="207093"/>
+            <a:ext cx="2269540" cy="2037562"/>
+            <a:chOff x="-63499" y="-287437"/>
+            <a:chExt cx="2622994" cy="2354880"/>
+          </a:xfrm>
+        </p:grpSpPr>
+        <p:cxnSp>
+          <p:nvCxnSpPr>
+            <p:cNvPr id="24" name="Straight Connector 23">
+              <a:extLst>
+                <a:ext uri="{FF2B5EF4-FFF2-40B4-BE49-F238E27FC236}">
+                  <a16:creationId xmlns:a16="http://schemas.microsoft.com/office/drawing/2014/main" id="{5C454BBF-9E98-0A7A-83E6-1EAB251D9CBA}"/>
+                </a:ext>
+              </a:extLst>
+            </p:cNvPr>
+            <p:cNvCxnSpPr>
+              <a:cxnSpLocks/>
+            </p:cNvCxnSpPr>
+            <p:nvPr/>
+          </p:nvCxnSpPr>
+          <p:spPr>
+            <a:xfrm>
+              <a:off x="-63499" y="1015732"/>
+              <a:ext cx="533401" cy="406399"/>
+            </a:xfrm>
+            <a:prstGeom prst="line">
+              <a:avLst/>
+            </a:prstGeom>
+            <a:ln w="76200">
+              <a:solidFill>
+                <a:schemeClr val="bg1">
+                  <a:alpha val="50000"/>
+                </a:schemeClr>
+              </a:solidFill>
+            </a:ln>
+          </p:spPr>
+          <p:style>
+            <a:lnRef idx="1">
+              <a:schemeClr val="accent1"/>
+            </a:lnRef>
+            <a:fillRef idx="0">
+              <a:schemeClr val="accent1"/>
+            </a:fillRef>
+            <a:effectRef idx="0">
+              <a:schemeClr val="accent1"/>
+            </a:effectRef>
+            <a:fontRef idx="minor">
+              <a:schemeClr val="tx1"/>
+            </a:fontRef>
+          </p:style>
+        </p:cxnSp>
+        <p:cxnSp>
+          <p:nvCxnSpPr>
+            <p:cNvPr id="26" name="Straight Connector 25">
+              <a:extLst>
+                <a:ext uri="{FF2B5EF4-FFF2-40B4-BE49-F238E27FC236}">
+                  <a16:creationId xmlns:a16="http://schemas.microsoft.com/office/drawing/2014/main" id="{DC2EE6EC-4CBE-51D9-40E0-00A94F8B0BE8}"/>
+                </a:ext>
+              </a:extLst>
+            </p:cNvPr>
+            <p:cNvCxnSpPr>
+              <a:cxnSpLocks/>
+            </p:cNvCxnSpPr>
+            <p:nvPr/>
+          </p:nvCxnSpPr>
+          <p:spPr>
+            <a:xfrm flipV="1">
+              <a:off x="-63499" y="731570"/>
+              <a:ext cx="727870" cy="284162"/>
+            </a:xfrm>
+            <a:prstGeom prst="line">
+              <a:avLst/>
+            </a:prstGeom>
+            <a:ln w="76200">
+              <a:solidFill>
+                <a:schemeClr val="bg1">
+                  <a:alpha val="50000"/>
+                </a:schemeClr>
+              </a:solidFill>
+            </a:ln>
+          </p:spPr>
+          <p:style>
+            <a:lnRef idx="1">
+              <a:schemeClr val="accent1"/>
+            </a:lnRef>
+            <a:fillRef idx="0">
+              <a:schemeClr val="accent1"/>
+            </a:fillRef>
+            <a:effectRef idx="0">
+              <a:schemeClr val="accent1"/>
+            </a:effectRef>
+            <a:fontRef idx="minor">
+              <a:schemeClr val="tx1"/>
+            </a:fontRef>
+          </p:style>
+        </p:cxnSp>
+        <p:sp>
+          <p:nvSpPr>
+            <p:cNvPr id="32" name="Freeform: Shape 31">
+              <a:extLst>
+                <a:ext uri="{FF2B5EF4-FFF2-40B4-BE49-F238E27FC236}">
+                  <a16:creationId xmlns:a16="http://schemas.microsoft.com/office/drawing/2014/main" id="{00328D04-0AEB-36AC-6D66-9AA707435074}"/>
+                </a:ext>
+              </a:extLst>
+            </p:cNvPr>
+            <p:cNvSpPr/>
+            <p:nvPr/>
+          </p:nvSpPr>
+          <p:spPr>
+            <a:xfrm>
+              <a:off x="460376" y="-287437"/>
+              <a:ext cx="2099119" cy="2354880"/>
+            </a:xfrm>
+            <a:custGeom>
+              <a:avLst/>
+              <a:gdLst>
+                <a:gd name="connsiteX0" fmla="*/ 196850 w 2099119"/>
+                <a:gd name="connsiteY0" fmla="*/ 1017419 h 2354880"/>
+                <a:gd name="connsiteX1" fmla="*/ 295275 w 2099119"/>
+                <a:gd name="connsiteY1" fmla="*/ 915820 h 2354880"/>
+                <a:gd name="connsiteX2" fmla="*/ 419100 w 2099119"/>
+                <a:gd name="connsiteY2" fmla="*/ 788820 h 2354880"/>
+                <a:gd name="connsiteX3" fmla="*/ 498475 w 2099119"/>
+                <a:gd name="connsiteY3" fmla="*/ 728495 h 2354880"/>
+                <a:gd name="connsiteX4" fmla="*/ 571500 w 2099119"/>
+                <a:gd name="connsiteY4" fmla="*/ 703095 h 2354880"/>
+                <a:gd name="connsiteX5" fmla="*/ 660400 w 2099119"/>
+                <a:gd name="connsiteY5" fmla="*/ 658645 h 2354880"/>
+                <a:gd name="connsiteX6" fmla="*/ 762001 w 2099119"/>
+                <a:gd name="connsiteY6" fmla="*/ 563395 h 2354880"/>
+                <a:gd name="connsiteX7" fmla="*/ 930276 w 2099119"/>
+                <a:gd name="connsiteY7" fmla="*/ 350671 h 2354880"/>
+                <a:gd name="connsiteX8" fmla="*/ 1038226 w 2099119"/>
+                <a:gd name="connsiteY8" fmla="*/ 182396 h 2354880"/>
+                <a:gd name="connsiteX9" fmla="*/ 1073151 w 2099119"/>
+                <a:gd name="connsiteY9" fmla="*/ 115721 h 2354880"/>
+                <a:gd name="connsiteX10" fmla="*/ 1111251 w 2099119"/>
+                <a:gd name="connsiteY10" fmla="*/ 52221 h 2354880"/>
+                <a:gd name="connsiteX11" fmla="*/ 1177926 w 2099119"/>
+                <a:gd name="connsiteY11" fmla="*/ 7771 h 2354880"/>
+                <a:gd name="connsiteX12" fmla="*/ 1244601 w 2099119"/>
+                <a:gd name="connsiteY12" fmla="*/ 4596 h 2354880"/>
+                <a:gd name="connsiteX13" fmla="*/ 1323976 w 2099119"/>
+                <a:gd name="connsiteY13" fmla="*/ 55396 h 2354880"/>
+                <a:gd name="connsiteX14" fmla="*/ 1400177 w 2099119"/>
+                <a:gd name="connsiteY14" fmla="*/ 172871 h 2354880"/>
+                <a:gd name="connsiteX15" fmla="*/ 1428752 w 2099119"/>
+                <a:gd name="connsiteY15" fmla="*/ 217321 h 2354880"/>
+                <a:gd name="connsiteX16" fmla="*/ 1593852 w 2099119"/>
+                <a:gd name="connsiteY16" fmla="*/ 617370 h 2354880"/>
+                <a:gd name="connsiteX17" fmla="*/ 1917702 w 2099119"/>
+                <a:gd name="connsiteY17" fmla="*/ 1541293 h 2354880"/>
+                <a:gd name="connsiteX18" fmla="*/ 2098677 w 2099119"/>
+                <a:gd name="connsiteY18" fmla="*/ 1985792 h 2354880"/>
+                <a:gd name="connsiteX19" fmla="*/ 1965327 w 2099119"/>
+                <a:gd name="connsiteY19" fmla="*/ 1868318 h 2354880"/>
+                <a:gd name="connsiteX20" fmla="*/ 1857377 w 2099119"/>
+                <a:gd name="connsiteY20" fmla="*/ 1769893 h 2354880"/>
+                <a:gd name="connsiteX21" fmla="*/ 1749427 w 2099119"/>
+                <a:gd name="connsiteY21" fmla="*/ 1674643 h 2354880"/>
+                <a:gd name="connsiteX22" fmla="*/ 1593852 w 2099119"/>
+                <a:gd name="connsiteY22" fmla="*/ 1611143 h 2354880"/>
+                <a:gd name="connsiteX23" fmla="*/ 1460502 w 2099119"/>
+                <a:gd name="connsiteY23" fmla="*/ 1639718 h 2354880"/>
+                <a:gd name="connsiteX24" fmla="*/ 1285876 w 2099119"/>
+                <a:gd name="connsiteY24" fmla="*/ 1766718 h 2354880"/>
+                <a:gd name="connsiteX25" fmla="*/ 1146176 w 2099119"/>
+                <a:gd name="connsiteY25" fmla="*/ 1934992 h 2354880"/>
+                <a:gd name="connsiteX26" fmla="*/ 1012826 w 2099119"/>
+                <a:gd name="connsiteY26" fmla="*/ 2084217 h 2354880"/>
+                <a:gd name="connsiteX27" fmla="*/ 844551 w 2099119"/>
+                <a:gd name="connsiteY27" fmla="*/ 2249317 h 2354880"/>
+                <a:gd name="connsiteX28" fmla="*/ 673100 w 2099119"/>
+                <a:gd name="connsiteY28" fmla="*/ 2331867 h 2354880"/>
+                <a:gd name="connsiteX29" fmla="*/ 596900 w 2099119"/>
+                <a:gd name="connsiteY29" fmla="*/ 2347742 h 2354880"/>
+                <a:gd name="connsiteX30" fmla="*/ 549275 w 2099119"/>
+                <a:gd name="connsiteY30" fmla="*/ 2230267 h 2354880"/>
+                <a:gd name="connsiteX31" fmla="*/ 450850 w 2099119"/>
+                <a:gd name="connsiteY31" fmla="*/ 1988967 h 2354880"/>
+                <a:gd name="connsiteX32" fmla="*/ 342900 w 2099119"/>
+                <a:gd name="connsiteY32" fmla="*/ 1795293 h 2354880"/>
+                <a:gd name="connsiteX33" fmla="*/ 260350 w 2099119"/>
+                <a:gd name="connsiteY33" fmla="*/ 1712743 h 2354880"/>
+                <a:gd name="connsiteX34" fmla="*/ 187325 w 2099119"/>
+                <a:gd name="connsiteY34" fmla="*/ 1674643 h 2354880"/>
+                <a:gd name="connsiteX35" fmla="*/ 69850 w 2099119"/>
+                <a:gd name="connsiteY35" fmla="*/ 1696868 h 2354880"/>
+                <a:gd name="connsiteX36" fmla="*/ 0 w 2099119"/>
+                <a:gd name="connsiteY36" fmla="*/ 1703218 h 2354880"/>
+              </a:gdLst>
+              <a:ahLst/>
+              <a:cxnLst>
+                <a:cxn ang="0">
+                  <a:pos x="connsiteX0" y="connsiteY0"/>
+                </a:cxn>
+                <a:cxn ang="0">
+                  <a:pos x="connsiteX1" y="connsiteY1"/>
+                </a:cxn>
+                <a:cxn ang="0">
+                  <a:pos x="connsiteX2" y="connsiteY2"/>
+                </a:cxn>
+                <a:cxn ang="0">
+                  <a:pos x="connsiteX3" y="connsiteY3"/>
+                </a:cxn>
+                <a:cxn ang="0">
+                  <a:pos x="connsiteX4" y="connsiteY4"/>
+                </a:cxn>
+                <a:cxn ang="0">
+                  <a:pos x="connsiteX5" y="connsiteY5"/>
+                </a:cxn>
+                <a:cxn ang="0">
+                  <a:pos x="connsiteX6" y="connsiteY6"/>
+                </a:cxn>
+                <a:cxn ang="0">
+                  <a:pos x="connsiteX7" y="connsiteY7"/>
+                </a:cxn>
+                <a:cxn ang="0">
+                  <a:pos x="connsiteX8" y="connsiteY8"/>
+                </a:cxn>
+                <a:cxn ang="0">
+                  <a:pos x="connsiteX9" y="connsiteY9"/>
+                </a:cxn>
+                <a:cxn ang="0">
+                  <a:pos x="connsiteX10" y="connsiteY10"/>
+                </a:cxn>
+                <a:cxn ang="0">
+                  <a:pos x="connsiteX11" y="connsiteY11"/>
+                </a:cxn>
+                <a:cxn ang="0">
+                  <a:pos x="connsiteX12" y="connsiteY12"/>
+                </a:cxn>
+                <a:cxn ang="0">
+                  <a:pos x="connsiteX13" y="connsiteY13"/>
+                </a:cxn>
+                <a:cxn ang="0">
+                  <a:pos x="connsiteX14" y="connsiteY14"/>
+                </a:cxn>
+                <a:cxn ang="0">
+                  <a:pos x="connsiteX15" y="connsiteY15"/>
+                </a:cxn>
+                <a:cxn ang="0">
+                  <a:pos x="connsiteX16" y="connsiteY16"/>
+                </a:cxn>
+                <a:cxn ang="0">
+                  <a:pos x="connsiteX17" y="connsiteY17"/>
+                </a:cxn>
+                <a:cxn ang="0">
+                  <a:pos x="connsiteX18" y="connsiteY18"/>
+                </a:cxn>
+                <a:cxn ang="0">
+                  <a:pos x="connsiteX19" y="connsiteY19"/>
+                </a:cxn>
+                <a:cxn ang="0">
+                  <a:pos x="connsiteX20" y="connsiteY20"/>
+                </a:cxn>
+                <a:cxn ang="0">
+                  <a:pos x="connsiteX21" y="connsiteY21"/>
+                </a:cxn>
+                <a:cxn ang="0">
+                  <a:pos x="connsiteX22" y="connsiteY22"/>
+                </a:cxn>
+                <a:cxn ang="0">
+                  <a:pos x="connsiteX23" y="connsiteY23"/>
+                </a:cxn>
+                <a:cxn ang="0">
+                  <a:pos x="connsiteX24" y="connsiteY24"/>
+                </a:cxn>
+                <a:cxn ang="0">
+                  <a:pos x="connsiteX25" y="connsiteY25"/>
+                </a:cxn>
+                <a:cxn ang="0">
+                  <a:pos x="connsiteX26" y="connsiteY26"/>
+                </a:cxn>
+                <a:cxn ang="0">
+                  <a:pos x="connsiteX27" y="connsiteY27"/>
+                </a:cxn>
+                <a:cxn ang="0">
+                  <a:pos x="connsiteX28" y="connsiteY28"/>
+                </a:cxn>
+                <a:cxn ang="0">
+                  <a:pos x="connsiteX29" y="connsiteY29"/>
+                </a:cxn>
+                <a:cxn ang="0">
+                  <a:pos x="connsiteX30" y="connsiteY30"/>
+                </a:cxn>
+                <a:cxn ang="0">
+                  <a:pos x="connsiteX31" y="connsiteY31"/>
+                </a:cxn>
+                <a:cxn ang="0">
+                  <a:pos x="connsiteX32" y="connsiteY32"/>
+                </a:cxn>
+                <a:cxn ang="0">
+                  <a:pos x="connsiteX33" y="connsiteY33"/>
+                </a:cxn>
+                <a:cxn ang="0">
+                  <a:pos x="connsiteX34" y="connsiteY34"/>
+                </a:cxn>
+                <a:cxn ang="0">
+                  <a:pos x="connsiteX35" y="connsiteY35"/>
+                </a:cxn>
+                <a:cxn ang="0">
+                  <a:pos x="connsiteX36" y="connsiteY36"/>
+                </a:cxn>
+              </a:cxnLst>
+              <a:rect l="l" t="t" r="r" b="b"/>
+              <a:pathLst>
+                <a:path w="2099119" h="2354880" extrusionOk="0">
+                  <a:moveTo>
+                    <a:pt x="196850" y="1017419"/>
+                  </a:moveTo>
+                  <a:cubicBezTo>
+                    <a:pt x="239370" y="974023"/>
+                    <a:pt x="282657" y="931889"/>
+                    <a:pt x="295275" y="915820"/>
+                  </a:cubicBezTo>
+                  <a:cubicBezTo>
+                    <a:pt x="334102" y="880705"/>
+                    <a:pt x="384148" y="816753"/>
+                    <a:pt x="419100" y="788820"/>
+                  </a:cubicBezTo>
+                  <a:cubicBezTo>
+                    <a:pt x="455836" y="755776"/>
+                    <a:pt x="477252" y="743078"/>
+                    <a:pt x="498475" y="728495"/>
+                  </a:cubicBezTo>
+                  <a:cubicBezTo>
+                    <a:pt x="522059" y="714836"/>
+                    <a:pt x="542400" y="714053"/>
+                    <a:pt x="571500" y="703095"/>
+                  </a:cubicBezTo>
+                  <a:cubicBezTo>
+                    <a:pt x="600313" y="685822"/>
+                    <a:pt x="629869" y="683349"/>
+                    <a:pt x="660400" y="658645"/>
+                  </a:cubicBezTo>
+                  <a:cubicBezTo>
+                    <a:pt x="694709" y="631511"/>
+                    <a:pt x="722374" y="611556"/>
+                    <a:pt x="762001" y="563395"/>
+                  </a:cubicBezTo>
+                  <a:cubicBezTo>
+                    <a:pt x="810333" y="526087"/>
+                    <a:pt x="895907" y="418911"/>
+                    <a:pt x="930276" y="350671"/>
+                  </a:cubicBezTo>
+                  <a:cubicBezTo>
+                    <a:pt x="978494" y="286511"/>
+                    <a:pt x="1012302" y="221438"/>
+                    <a:pt x="1038226" y="182396"/>
+                  </a:cubicBezTo>
+                  <a:cubicBezTo>
+                    <a:pt x="1061733" y="143792"/>
+                    <a:pt x="1060089" y="137959"/>
+                    <a:pt x="1073151" y="115721"/>
+                  </a:cubicBezTo>
+                  <a:cubicBezTo>
+                    <a:pt x="1082410" y="95360"/>
+                    <a:pt x="1092593" y="73146"/>
+                    <a:pt x="1111251" y="52221"/>
+                  </a:cubicBezTo>
+                  <a:cubicBezTo>
+                    <a:pt x="1128965" y="34434"/>
+                    <a:pt x="1154157" y="17288"/>
+                    <a:pt x="1177926" y="7771"/>
+                  </a:cubicBezTo>
+                  <a:cubicBezTo>
+                    <a:pt x="1199010" y="-3875"/>
+                    <a:pt x="1219944" y="-4779"/>
+                    <a:pt x="1244601" y="4596"/>
+                  </a:cubicBezTo>
+                  <a:cubicBezTo>
+                    <a:pt x="1269092" y="12952"/>
+                    <a:pt x="1297796" y="28361"/>
+                    <a:pt x="1323976" y="55396"/>
+                  </a:cubicBezTo>
+                  <a:cubicBezTo>
+                    <a:pt x="1355663" y="81304"/>
+                    <a:pt x="1384621" y="147051"/>
+                    <a:pt x="1400177" y="172871"/>
+                  </a:cubicBezTo>
+                  <a:cubicBezTo>
+                    <a:pt x="1406935" y="195371"/>
+                    <a:pt x="1395588" y="146382"/>
+                    <a:pt x="1428752" y="217321"/>
+                  </a:cubicBezTo>
+                  <a:cubicBezTo>
+                    <a:pt x="1461880" y="274898"/>
+                    <a:pt x="1512418" y="410283"/>
+                    <a:pt x="1593852" y="617370"/>
+                  </a:cubicBezTo>
+                  <a:cubicBezTo>
+                    <a:pt x="1649184" y="853882"/>
+                    <a:pt x="1830498" y="1328318"/>
+                    <a:pt x="1917702" y="1541293"/>
+                  </a:cubicBezTo>
+                  <a:cubicBezTo>
+                    <a:pt x="1996636" y="1771728"/>
+                    <a:pt x="2085127" y="1923116"/>
+                    <a:pt x="2098677" y="1985792"/>
+                  </a:cubicBezTo>
+                  <a:cubicBezTo>
+                    <a:pt x="2107361" y="2040387"/>
+                    <a:pt x="2006097" y="1899268"/>
+                    <a:pt x="1965327" y="1868318"/>
+                  </a:cubicBezTo>
+                  <a:cubicBezTo>
+                    <a:pt x="1932479" y="1831642"/>
+                    <a:pt x="1894018" y="1802578"/>
+                    <a:pt x="1857377" y="1769893"/>
+                  </a:cubicBezTo>
+                  <a:cubicBezTo>
+                    <a:pt x="1820693" y="1741549"/>
+                    <a:pt x="1789720" y="1694945"/>
+                    <a:pt x="1749427" y="1674643"/>
+                  </a:cubicBezTo>
+                  <a:cubicBezTo>
+                    <a:pt x="1700929" y="1651438"/>
+                    <a:pt x="1640117" y="1615858"/>
+                    <a:pt x="1593852" y="1611143"/>
+                  </a:cubicBezTo>
+                  <a:cubicBezTo>
+                    <a:pt x="1540400" y="1602975"/>
+                    <a:pt x="1508438" y="1616635"/>
+                    <a:pt x="1460502" y="1639718"/>
+                  </a:cubicBezTo>
+                  <a:cubicBezTo>
+                    <a:pt x="1403013" y="1676032"/>
+                    <a:pt x="1333331" y="1712327"/>
+                    <a:pt x="1285876" y="1766718"/>
+                  </a:cubicBezTo>
+                  <a:cubicBezTo>
+                    <a:pt x="1231709" y="1811198"/>
+                    <a:pt x="1191556" y="1874990"/>
+                    <a:pt x="1146176" y="1934992"/>
+                  </a:cubicBezTo>
+                  <a:cubicBezTo>
+                    <a:pt x="1096111" y="1985471"/>
+                    <a:pt x="1059261" y="2028300"/>
+                    <a:pt x="1012826" y="2084217"/>
+                  </a:cubicBezTo>
+                  <a:cubicBezTo>
+                    <a:pt x="956828" y="2136586"/>
+                    <a:pt x="911633" y="2208830"/>
+                    <a:pt x="844551" y="2249317"/>
+                  </a:cubicBezTo>
+                  <a:cubicBezTo>
+                    <a:pt x="792948" y="2288162"/>
+                    <a:pt x="708553" y="2312027"/>
+                    <a:pt x="673100" y="2331867"/>
+                  </a:cubicBezTo>
+                  <a:cubicBezTo>
+                    <a:pt x="632442" y="2346214"/>
+                    <a:pt x="616110" y="2365720"/>
+                    <a:pt x="596900" y="2347742"/>
+                  </a:cubicBezTo>
+                  <a:cubicBezTo>
+                    <a:pt x="576263" y="2330809"/>
+                    <a:pt x="549275" y="2230267"/>
+                    <a:pt x="549275" y="2230267"/>
+                  </a:cubicBezTo>
+                  <a:cubicBezTo>
+                    <a:pt x="526100" y="2166500"/>
+                    <a:pt x="485845" y="2062794"/>
+                    <a:pt x="450850" y="1988967"/>
+                  </a:cubicBezTo>
+                  <a:cubicBezTo>
+                    <a:pt x="415166" y="1906538"/>
+                    <a:pt x="383737" y="1840400"/>
+                    <a:pt x="342900" y="1795293"/>
+                  </a:cubicBezTo>
+                  <a:cubicBezTo>
+                    <a:pt x="312888" y="1750275"/>
+                    <a:pt x="285976" y="1734628"/>
+                    <a:pt x="260350" y="1712743"/>
+                  </a:cubicBezTo>
+                  <a:cubicBezTo>
+                    <a:pt x="235426" y="1691655"/>
+                    <a:pt x="219908" y="1674866"/>
+                    <a:pt x="187325" y="1674643"/>
+                  </a:cubicBezTo>
+                  <a:cubicBezTo>
+                    <a:pt x="155148" y="1671165"/>
+                    <a:pt x="99125" y="1691596"/>
+                    <a:pt x="69850" y="1696868"/>
+                  </a:cubicBezTo>
+                  <a:cubicBezTo>
+                    <a:pt x="39907" y="1705173"/>
+                    <a:pt x="18226" y="1699590"/>
+                    <a:pt x="0" y="1703218"/>
+                  </a:cubicBezTo>
+                </a:path>
+              </a:pathLst>
+            </a:custGeom>
+            <a:noFill/>
+            <a:ln w="76200">
+              <a:solidFill>
+                <a:schemeClr val="bg1">
+                  <a:alpha val="50000"/>
+                </a:schemeClr>
+              </a:solidFill>
+              <a:extLst>
+                <a:ext uri="{C807C97D-BFC1-408E-A445-0C87EB9F89A2}">
+                  <ask:lineSketchStyleProps xmlns:ask="http://schemas.microsoft.com/office/drawing/2018/sketchyshapes" sd="2577471183">
+                    <a:custGeom>
+                      <a:avLst/>
+                      <a:gdLst>
+                        <a:gd name="connsiteX0" fmla="*/ 196850 w 2099116"/>
+                        <a:gd name="connsiteY0" fmla="*/ 1017422 h 2354885"/>
+                        <a:gd name="connsiteX1" fmla="*/ 295275 w 2099116"/>
+                        <a:gd name="connsiteY1" fmla="*/ 915822 h 2354885"/>
+                        <a:gd name="connsiteX2" fmla="*/ 419100 w 2099116"/>
+                        <a:gd name="connsiteY2" fmla="*/ 788822 h 2354885"/>
+                        <a:gd name="connsiteX3" fmla="*/ 498475 w 2099116"/>
+                        <a:gd name="connsiteY3" fmla="*/ 728497 h 2354885"/>
+                        <a:gd name="connsiteX4" fmla="*/ 571500 w 2099116"/>
+                        <a:gd name="connsiteY4" fmla="*/ 703097 h 2354885"/>
+                        <a:gd name="connsiteX5" fmla="*/ 660400 w 2099116"/>
+                        <a:gd name="connsiteY5" fmla="*/ 658647 h 2354885"/>
+                        <a:gd name="connsiteX6" fmla="*/ 762000 w 2099116"/>
+                        <a:gd name="connsiteY6" fmla="*/ 563397 h 2354885"/>
+                        <a:gd name="connsiteX7" fmla="*/ 930275 w 2099116"/>
+                        <a:gd name="connsiteY7" fmla="*/ 350672 h 2354885"/>
+                        <a:gd name="connsiteX8" fmla="*/ 1038225 w 2099116"/>
+                        <a:gd name="connsiteY8" fmla="*/ 182397 h 2354885"/>
+                        <a:gd name="connsiteX9" fmla="*/ 1073150 w 2099116"/>
+                        <a:gd name="connsiteY9" fmla="*/ 115722 h 2354885"/>
+                        <a:gd name="connsiteX10" fmla="*/ 1111250 w 2099116"/>
+                        <a:gd name="connsiteY10" fmla="*/ 52222 h 2354885"/>
+                        <a:gd name="connsiteX11" fmla="*/ 1177925 w 2099116"/>
+                        <a:gd name="connsiteY11" fmla="*/ 7772 h 2354885"/>
+                        <a:gd name="connsiteX12" fmla="*/ 1244600 w 2099116"/>
+                        <a:gd name="connsiteY12" fmla="*/ 4597 h 2354885"/>
+                        <a:gd name="connsiteX13" fmla="*/ 1323975 w 2099116"/>
+                        <a:gd name="connsiteY13" fmla="*/ 55397 h 2354885"/>
+                        <a:gd name="connsiteX14" fmla="*/ 1400175 w 2099116"/>
+                        <a:gd name="connsiteY14" fmla="*/ 172872 h 2354885"/>
+                        <a:gd name="connsiteX15" fmla="*/ 1428750 w 2099116"/>
+                        <a:gd name="connsiteY15" fmla="*/ 217322 h 2354885"/>
+                        <a:gd name="connsiteX16" fmla="*/ 1593850 w 2099116"/>
+                        <a:gd name="connsiteY16" fmla="*/ 617372 h 2354885"/>
+                        <a:gd name="connsiteX17" fmla="*/ 1917700 w 2099116"/>
+                        <a:gd name="connsiteY17" fmla="*/ 1541297 h 2354885"/>
+                        <a:gd name="connsiteX18" fmla="*/ 2098675 w 2099116"/>
+                        <a:gd name="connsiteY18" fmla="*/ 1985797 h 2354885"/>
+                        <a:gd name="connsiteX19" fmla="*/ 1965325 w 2099116"/>
+                        <a:gd name="connsiteY19" fmla="*/ 1868322 h 2354885"/>
+                        <a:gd name="connsiteX20" fmla="*/ 1857375 w 2099116"/>
+                        <a:gd name="connsiteY20" fmla="*/ 1769897 h 2354885"/>
+                        <a:gd name="connsiteX21" fmla="*/ 1749425 w 2099116"/>
+                        <a:gd name="connsiteY21" fmla="*/ 1674647 h 2354885"/>
+                        <a:gd name="connsiteX22" fmla="*/ 1593850 w 2099116"/>
+                        <a:gd name="connsiteY22" fmla="*/ 1611147 h 2354885"/>
+                        <a:gd name="connsiteX23" fmla="*/ 1460500 w 2099116"/>
+                        <a:gd name="connsiteY23" fmla="*/ 1639722 h 2354885"/>
+                        <a:gd name="connsiteX24" fmla="*/ 1285875 w 2099116"/>
+                        <a:gd name="connsiteY24" fmla="*/ 1766722 h 2354885"/>
+                        <a:gd name="connsiteX25" fmla="*/ 1146175 w 2099116"/>
+                        <a:gd name="connsiteY25" fmla="*/ 1934997 h 2354885"/>
+                        <a:gd name="connsiteX26" fmla="*/ 1012825 w 2099116"/>
+                        <a:gd name="connsiteY26" fmla="*/ 2084222 h 2354885"/>
+                        <a:gd name="connsiteX27" fmla="*/ 844550 w 2099116"/>
+                        <a:gd name="connsiteY27" fmla="*/ 2249322 h 2354885"/>
+                        <a:gd name="connsiteX28" fmla="*/ 673100 w 2099116"/>
+                        <a:gd name="connsiteY28" fmla="*/ 2331872 h 2354885"/>
+                        <a:gd name="connsiteX29" fmla="*/ 596900 w 2099116"/>
+                        <a:gd name="connsiteY29" fmla="*/ 2347747 h 2354885"/>
+                        <a:gd name="connsiteX30" fmla="*/ 549275 w 2099116"/>
+                        <a:gd name="connsiteY30" fmla="*/ 2230272 h 2354885"/>
+                        <a:gd name="connsiteX31" fmla="*/ 450850 w 2099116"/>
+                        <a:gd name="connsiteY31" fmla="*/ 1988972 h 2354885"/>
+                        <a:gd name="connsiteX32" fmla="*/ 342900 w 2099116"/>
+                        <a:gd name="connsiteY32" fmla="*/ 1795297 h 2354885"/>
+                        <a:gd name="connsiteX33" fmla="*/ 260350 w 2099116"/>
+                        <a:gd name="connsiteY33" fmla="*/ 1712747 h 2354885"/>
+                        <a:gd name="connsiteX34" fmla="*/ 187325 w 2099116"/>
+                        <a:gd name="connsiteY34" fmla="*/ 1674647 h 2354885"/>
+                        <a:gd name="connsiteX35" fmla="*/ 69850 w 2099116"/>
+                        <a:gd name="connsiteY35" fmla="*/ 1696872 h 2354885"/>
+                        <a:gd name="connsiteX36" fmla="*/ 0 w 2099116"/>
+                        <a:gd name="connsiteY36" fmla="*/ 1703222 h 2354885"/>
+                      </a:gdLst>
+                      <a:ahLst/>
+                      <a:cxnLst>
+                        <a:cxn ang="0">
+                          <a:pos x="connsiteX0" y="connsiteY0"/>
+                        </a:cxn>
+                        <a:cxn ang="0">
+                          <a:pos x="connsiteX1" y="connsiteY1"/>
+                        </a:cxn>
+                        <a:cxn ang="0">
+                          <a:pos x="connsiteX2" y="connsiteY2"/>
+                        </a:cxn>
+                        <a:cxn ang="0">
+                          <a:pos x="connsiteX3" y="connsiteY3"/>
+                        </a:cxn>
+                        <a:cxn ang="0">
+                          <a:pos x="connsiteX4" y="connsiteY4"/>
+                        </a:cxn>
+                        <a:cxn ang="0">
+                          <a:pos x="connsiteX5" y="connsiteY5"/>
+                        </a:cxn>
+                        <a:cxn ang="0">
+                          <a:pos x="connsiteX6" y="connsiteY6"/>
+                        </a:cxn>
+                        <a:cxn ang="0">
+                          <a:pos x="connsiteX7" y="connsiteY7"/>
+                        </a:cxn>
+                        <a:cxn ang="0">
+                          <a:pos x="connsiteX8" y="connsiteY8"/>
+                        </a:cxn>
+                        <a:cxn ang="0">
+                          <a:pos x="connsiteX9" y="connsiteY9"/>
+                        </a:cxn>
+                        <a:cxn ang="0">
+                          <a:pos x="connsiteX10" y="connsiteY10"/>
+                        </a:cxn>
+                        <a:cxn ang="0">
+                          <a:pos x="connsiteX11" y="connsiteY11"/>
+                        </a:cxn>
+                        <a:cxn ang="0">
+                          <a:pos x="connsiteX12" y="connsiteY12"/>
+                        </a:cxn>
+                        <a:cxn ang="0">
+                          <a:pos x="connsiteX13" y="connsiteY13"/>
+                        </a:cxn>
+                        <a:cxn ang="0">
+                          <a:pos x="connsiteX14" y="connsiteY14"/>
+                        </a:cxn>
+                        <a:cxn ang="0">
+                          <a:pos x="connsiteX15" y="connsiteY15"/>
+                        </a:cxn>
+                        <a:cxn ang="0">
+                          <a:pos x="connsiteX16" y="connsiteY16"/>
+                        </a:cxn>
+                        <a:cxn ang="0">
+                          <a:pos x="connsiteX17" y="connsiteY17"/>
+                        </a:cxn>
+                        <a:cxn ang="0">
+                          <a:pos x="connsiteX18" y="connsiteY18"/>
+                        </a:cxn>
+                        <a:cxn ang="0">
+                          <a:pos x="connsiteX19" y="connsiteY19"/>
+                        </a:cxn>
+                        <a:cxn ang="0">
+                          <a:pos x="connsiteX20" y="connsiteY20"/>
+                        </a:cxn>
+                        <a:cxn ang="0">
+                          <a:pos x="connsiteX21" y="connsiteY21"/>
+                        </a:cxn>
+                        <a:cxn ang="0">
+                          <a:pos x="connsiteX22" y="connsiteY22"/>
+                        </a:cxn>
+                        <a:cxn ang="0">
+                          <a:pos x="connsiteX23" y="connsiteY23"/>
+                        </a:cxn>
+                        <a:cxn ang="0">
+                          <a:pos x="connsiteX24" y="connsiteY24"/>
+                        </a:cxn>
+                        <a:cxn ang="0">
+                          <a:pos x="connsiteX25" y="connsiteY25"/>
+                        </a:cxn>
+                        <a:cxn ang="0">
+                          <a:pos x="connsiteX26" y="connsiteY26"/>
+                        </a:cxn>
+                        <a:cxn ang="0">
+                          <a:pos x="connsiteX27" y="connsiteY27"/>
+                        </a:cxn>
+                        <a:cxn ang="0">
+                          <a:pos x="connsiteX28" y="connsiteY28"/>
+                        </a:cxn>
+                        <a:cxn ang="0">
+                          <a:pos x="connsiteX29" y="connsiteY29"/>
+                        </a:cxn>
+                        <a:cxn ang="0">
+                          <a:pos x="connsiteX30" y="connsiteY30"/>
+                        </a:cxn>
+                        <a:cxn ang="0">
+                          <a:pos x="connsiteX31" y="connsiteY31"/>
+                        </a:cxn>
+                        <a:cxn ang="0">
+                          <a:pos x="connsiteX32" y="connsiteY32"/>
+                        </a:cxn>
+                        <a:cxn ang="0">
+                          <a:pos x="connsiteX33" y="connsiteY33"/>
+                        </a:cxn>
+                        <a:cxn ang="0">
+                          <a:pos x="connsiteX34" y="connsiteY34"/>
+                        </a:cxn>
+                        <a:cxn ang="0">
+                          <a:pos x="connsiteX35" y="connsiteY35"/>
+                        </a:cxn>
+                        <a:cxn ang="0">
+                          <a:pos x="connsiteX36" y="connsiteY36"/>
+                        </a:cxn>
+                      </a:cxnLst>
+                      <a:rect l="l" t="t" r="r" b="b"/>
+                      <a:pathLst>
+                        <a:path w="2099116" h="2354885">
+                          <a:moveTo>
+                            <a:pt x="196850" y="1017422"/>
+                          </a:moveTo>
+                          <a:lnTo>
+                            <a:pt x="295275" y="915822"/>
+                          </a:lnTo>
+                          <a:cubicBezTo>
+                            <a:pt x="332317" y="877722"/>
+                            <a:pt x="385233" y="820043"/>
+                            <a:pt x="419100" y="788822"/>
+                          </a:cubicBezTo>
+                          <a:cubicBezTo>
+                            <a:pt x="452967" y="757601"/>
+                            <a:pt x="473075" y="742784"/>
+                            <a:pt x="498475" y="728497"/>
+                          </a:cubicBezTo>
+                          <a:cubicBezTo>
+                            <a:pt x="523875" y="714210"/>
+                            <a:pt x="544513" y="714739"/>
+                            <a:pt x="571500" y="703097"/>
+                          </a:cubicBezTo>
+                          <a:cubicBezTo>
+                            <a:pt x="598487" y="691455"/>
+                            <a:pt x="628650" y="681930"/>
+                            <a:pt x="660400" y="658647"/>
+                          </a:cubicBezTo>
+                          <a:cubicBezTo>
+                            <a:pt x="692150" y="635364"/>
+                            <a:pt x="717021" y="614726"/>
+                            <a:pt x="762000" y="563397"/>
+                          </a:cubicBezTo>
+                          <a:cubicBezTo>
+                            <a:pt x="806979" y="512068"/>
+                            <a:pt x="884238" y="414172"/>
+                            <a:pt x="930275" y="350672"/>
+                          </a:cubicBezTo>
+                          <a:cubicBezTo>
+                            <a:pt x="976312" y="287172"/>
+                            <a:pt x="1014413" y="221555"/>
+                            <a:pt x="1038225" y="182397"/>
+                          </a:cubicBezTo>
+                          <a:cubicBezTo>
+                            <a:pt x="1062038" y="143239"/>
+                            <a:pt x="1060979" y="137418"/>
+                            <a:pt x="1073150" y="115722"/>
+                          </a:cubicBezTo>
+                          <a:cubicBezTo>
+                            <a:pt x="1085321" y="94026"/>
+                            <a:pt x="1093788" y="70214"/>
+                            <a:pt x="1111250" y="52222"/>
+                          </a:cubicBezTo>
+                          <a:cubicBezTo>
+                            <a:pt x="1128712" y="34230"/>
+                            <a:pt x="1155700" y="15709"/>
+                            <a:pt x="1177925" y="7772"/>
+                          </a:cubicBezTo>
+                          <a:cubicBezTo>
+                            <a:pt x="1200150" y="-166"/>
+                            <a:pt x="1220258" y="-3340"/>
+                            <a:pt x="1244600" y="4597"/>
+                          </a:cubicBezTo>
+                          <a:cubicBezTo>
+                            <a:pt x="1268942" y="12534"/>
+                            <a:pt x="1298046" y="27351"/>
+                            <a:pt x="1323975" y="55397"/>
+                          </a:cubicBezTo>
+                          <a:cubicBezTo>
+                            <a:pt x="1349904" y="83443"/>
+                            <a:pt x="1382712" y="145884"/>
+                            <a:pt x="1400175" y="172872"/>
+                          </a:cubicBezTo>
+                          <a:cubicBezTo>
+                            <a:pt x="1417638" y="199860"/>
+                            <a:pt x="1396471" y="143239"/>
+                            <a:pt x="1428750" y="217322"/>
+                          </a:cubicBezTo>
+                          <a:cubicBezTo>
+                            <a:pt x="1461029" y="291405"/>
+                            <a:pt x="1512358" y="396710"/>
+                            <a:pt x="1593850" y="617372"/>
+                          </a:cubicBezTo>
+                          <a:cubicBezTo>
+                            <a:pt x="1675342" y="838034"/>
+                            <a:pt x="1833563" y="1313226"/>
+                            <a:pt x="1917700" y="1541297"/>
+                          </a:cubicBezTo>
+                          <a:cubicBezTo>
+                            <a:pt x="2001837" y="1769368"/>
+                            <a:pt x="2090738" y="1931293"/>
+                            <a:pt x="2098675" y="1985797"/>
+                          </a:cubicBezTo>
+                          <a:cubicBezTo>
+                            <a:pt x="2106612" y="2040301"/>
+                            <a:pt x="2005542" y="1904305"/>
+                            <a:pt x="1965325" y="1868322"/>
+                          </a:cubicBezTo>
+                          <a:cubicBezTo>
+                            <a:pt x="1925108" y="1832339"/>
+                            <a:pt x="1893358" y="1802176"/>
+                            <a:pt x="1857375" y="1769897"/>
+                          </a:cubicBezTo>
+                          <a:cubicBezTo>
+                            <a:pt x="1821392" y="1737618"/>
+                            <a:pt x="1793346" y="1701105"/>
+                            <a:pt x="1749425" y="1674647"/>
+                          </a:cubicBezTo>
+                          <a:cubicBezTo>
+                            <a:pt x="1705504" y="1648189"/>
+                            <a:pt x="1642004" y="1616968"/>
+                            <a:pt x="1593850" y="1611147"/>
+                          </a:cubicBezTo>
+                          <a:cubicBezTo>
+                            <a:pt x="1545696" y="1605326"/>
+                            <a:pt x="1511829" y="1613793"/>
+                            <a:pt x="1460500" y="1639722"/>
+                          </a:cubicBezTo>
+                          <a:cubicBezTo>
+                            <a:pt x="1409171" y="1665651"/>
+                            <a:pt x="1338262" y="1717510"/>
+                            <a:pt x="1285875" y="1766722"/>
+                          </a:cubicBezTo>
+                          <a:cubicBezTo>
+                            <a:pt x="1233488" y="1815934"/>
+                            <a:pt x="1191683" y="1882080"/>
+                            <a:pt x="1146175" y="1934997"/>
+                          </a:cubicBezTo>
+                          <a:cubicBezTo>
+                            <a:pt x="1100667" y="1987914"/>
+                            <a:pt x="1063096" y="2031835"/>
+                            <a:pt x="1012825" y="2084222"/>
+                          </a:cubicBezTo>
+                          <a:cubicBezTo>
+                            <a:pt x="962554" y="2136609"/>
+                            <a:pt x="901171" y="2208047"/>
+                            <a:pt x="844550" y="2249322"/>
+                          </a:cubicBezTo>
+                          <a:cubicBezTo>
+                            <a:pt x="787929" y="2290597"/>
+                            <a:pt x="714375" y="2315468"/>
+                            <a:pt x="673100" y="2331872"/>
+                          </a:cubicBezTo>
+                          <a:cubicBezTo>
+                            <a:pt x="631825" y="2348276"/>
+                            <a:pt x="617538" y="2364680"/>
+                            <a:pt x="596900" y="2347747"/>
+                          </a:cubicBezTo>
+                          <a:cubicBezTo>
+                            <a:pt x="576263" y="2330814"/>
+                            <a:pt x="549275" y="2230272"/>
+                            <a:pt x="549275" y="2230272"/>
+                          </a:cubicBezTo>
+                          <a:cubicBezTo>
+                            <a:pt x="524933" y="2170476"/>
+                            <a:pt x="485246" y="2061468"/>
+                            <a:pt x="450850" y="1988972"/>
+                          </a:cubicBezTo>
+                          <a:cubicBezTo>
+                            <a:pt x="416454" y="1916476"/>
+                            <a:pt x="374650" y="1841334"/>
+                            <a:pt x="342900" y="1795297"/>
+                          </a:cubicBezTo>
+                          <a:cubicBezTo>
+                            <a:pt x="311150" y="1749260"/>
+                            <a:pt x="286279" y="1732855"/>
+                            <a:pt x="260350" y="1712747"/>
+                          </a:cubicBezTo>
+                          <a:cubicBezTo>
+                            <a:pt x="234421" y="1692639"/>
+                            <a:pt x="219075" y="1677293"/>
+                            <a:pt x="187325" y="1674647"/>
+                          </a:cubicBezTo>
+                          <a:cubicBezTo>
+                            <a:pt x="155575" y="1672001"/>
+                            <a:pt x="101071" y="1692110"/>
+                            <a:pt x="69850" y="1696872"/>
+                          </a:cubicBezTo>
+                          <a:cubicBezTo>
+                            <a:pt x="38629" y="1701634"/>
+                            <a:pt x="19314" y="1702428"/>
+                            <a:pt x="0" y="1703222"/>
+                          </a:cubicBezTo>
+                        </a:path>
+                      </a:pathLst>
+                    </a:custGeom>
+                    <ask:type>
+                      <ask:lineSketchCurved/>
+                    </ask:type>
+                  </ask:lineSketchStyleProps>
+                </a:ext>
+              </a:extLst>
+            </a:ln>
+          </p:spPr>
+          <p:style>
+            <a:lnRef idx="2">
+              <a:schemeClr val="accent1">
+                <a:shade val="50000"/>
+              </a:schemeClr>
+            </a:lnRef>
+            <a:fillRef idx="1">
+              <a:schemeClr val="accent1"/>
+            </a:fillRef>
+            <a:effectRef idx="0">
+              <a:schemeClr val="accent1"/>
+            </a:effectRef>
+            <a:fontRef idx="minor">
+              <a:schemeClr val="lt1"/>
+            </a:fontRef>
+          </p:style>
+          <p:txBody>
+            <a:bodyPr rtlCol="0" anchor="ctr"/>
+            <a:lstStyle/>
+            <a:p>
+              <a:pPr algn="ctr"/>
+              <a:endParaRPr lang="en-US"/>
+            </a:p>
+          </p:txBody>
+        </p:sp>
+        <p:sp>
+          <p:nvSpPr>
+            <p:cNvPr id="33" name="Freeform: Shape 32">
+              <a:extLst>
+                <a:ext uri="{FF2B5EF4-FFF2-40B4-BE49-F238E27FC236}">
+                  <a16:creationId xmlns:a16="http://schemas.microsoft.com/office/drawing/2014/main" id="{B3587BB0-E8D9-9A55-F713-B3133A3252E9}"/>
+                </a:ext>
+              </a:extLst>
+            </p:cNvPr>
+            <p:cNvSpPr/>
+            <p:nvPr/>
+          </p:nvSpPr>
+          <p:spPr>
+            <a:xfrm>
+              <a:off x="571500" y="-133616"/>
+              <a:ext cx="942976" cy="1530347"/>
+            </a:xfrm>
+            <a:custGeom>
+              <a:avLst/>
+              <a:gdLst>
+                <a:gd name="connsiteX0" fmla="*/ 0 w 942976"/>
+                <a:gd name="connsiteY0" fmla="*/ 1530347 h 1530347"/>
+                <a:gd name="connsiteX1" fmla="*/ 184150 w 942976"/>
+                <a:gd name="connsiteY1" fmla="*/ 1396997 h 1530347"/>
+                <a:gd name="connsiteX2" fmla="*/ 396875 w 942976"/>
+                <a:gd name="connsiteY2" fmla="*/ 1152522 h 1530347"/>
+                <a:gd name="connsiteX3" fmla="*/ 720725 w 942976"/>
+                <a:gd name="connsiteY3" fmla="*/ 568323 h 1530347"/>
+                <a:gd name="connsiteX4" fmla="*/ 835025 w 942976"/>
+                <a:gd name="connsiteY4" fmla="*/ 311149 h 1530347"/>
+                <a:gd name="connsiteX5" fmla="*/ 942976 w 942976"/>
+                <a:gd name="connsiteY5" fmla="*/ 0 h 1530347"/>
+              </a:gdLst>
+              <a:ahLst/>
+              <a:cxnLst>
+                <a:cxn ang="0">
+                  <a:pos x="connsiteX0" y="connsiteY0"/>
+                </a:cxn>
+                <a:cxn ang="0">
+                  <a:pos x="connsiteX1" y="connsiteY1"/>
+                </a:cxn>
+                <a:cxn ang="0">
+                  <a:pos x="connsiteX2" y="connsiteY2"/>
+                </a:cxn>
+                <a:cxn ang="0">
+                  <a:pos x="connsiteX3" y="connsiteY3"/>
+                </a:cxn>
+                <a:cxn ang="0">
+                  <a:pos x="connsiteX4" y="connsiteY4"/>
+                </a:cxn>
+                <a:cxn ang="0">
+                  <a:pos x="connsiteX5" y="connsiteY5"/>
+                </a:cxn>
+              </a:cxnLst>
+              <a:rect l="l" t="t" r="r" b="b"/>
+              <a:pathLst>
+                <a:path w="942976" h="1530347" extrusionOk="0">
+                  <a:moveTo>
+                    <a:pt x="0" y="1530347"/>
+                  </a:moveTo>
+                  <a:cubicBezTo>
+                    <a:pt x="63446" y="1492579"/>
+                    <a:pt x="119005" y="1460540"/>
+                    <a:pt x="184150" y="1396997"/>
+                  </a:cubicBezTo>
+                  <a:cubicBezTo>
+                    <a:pt x="239156" y="1331038"/>
+                    <a:pt x="309847" y="1288147"/>
+                    <a:pt x="396875" y="1152522"/>
+                  </a:cubicBezTo>
+                  <a:cubicBezTo>
+                    <a:pt x="469879" y="1038236"/>
+                    <a:pt x="626886" y="689509"/>
+                    <a:pt x="720725" y="568323"/>
+                  </a:cubicBezTo>
+                  <a:cubicBezTo>
+                    <a:pt x="791328" y="431153"/>
+                    <a:pt x="798952" y="404768"/>
+                    <a:pt x="835025" y="311149"/>
+                  </a:cubicBezTo>
+                  <a:cubicBezTo>
+                    <a:pt x="893463" y="214338"/>
+                    <a:pt x="904760" y="109724"/>
+                    <a:pt x="942976" y="0"/>
+                  </a:cubicBezTo>
+                </a:path>
+              </a:pathLst>
+            </a:custGeom>
+            <a:noFill/>
+            <a:ln w="76200">
+              <a:solidFill>
+                <a:schemeClr val="bg1">
+                  <a:alpha val="50000"/>
+                </a:schemeClr>
+              </a:solidFill>
+              <a:extLst>
+                <a:ext uri="{C807C97D-BFC1-408E-A445-0C87EB9F89A2}">
+                  <ask:lineSketchStyleProps xmlns:ask="http://schemas.microsoft.com/office/drawing/2018/sketchyshapes" sd="1417151524">
+                    <a:custGeom>
+                      <a:avLst/>
+                      <a:gdLst>
+                        <a:gd name="connsiteX0" fmla="*/ 0 w 942975"/>
+                        <a:gd name="connsiteY0" fmla="*/ 1530350 h 1530350"/>
+                        <a:gd name="connsiteX1" fmla="*/ 184150 w 942975"/>
+                        <a:gd name="connsiteY1" fmla="*/ 1397000 h 1530350"/>
+                        <a:gd name="connsiteX2" fmla="*/ 396875 w 942975"/>
+                        <a:gd name="connsiteY2" fmla="*/ 1152525 h 1530350"/>
+                        <a:gd name="connsiteX3" fmla="*/ 720725 w 942975"/>
+                        <a:gd name="connsiteY3" fmla="*/ 568325 h 1530350"/>
+                        <a:gd name="connsiteX4" fmla="*/ 835025 w 942975"/>
+                        <a:gd name="connsiteY4" fmla="*/ 311150 h 1530350"/>
+                        <a:gd name="connsiteX5" fmla="*/ 942975 w 942975"/>
+                        <a:gd name="connsiteY5" fmla="*/ 0 h 1530350"/>
+                      </a:gdLst>
+                      <a:ahLst/>
+                      <a:cxnLst>
+                        <a:cxn ang="0">
+                          <a:pos x="connsiteX0" y="connsiteY0"/>
+                        </a:cxn>
+                        <a:cxn ang="0">
+                          <a:pos x="connsiteX1" y="connsiteY1"/>
+                        </a:cxn>
+                        <a:cxn ang="0">
+                          <a:pos x="connsiteX2" y="connsiteY2"/>
+                        </a:cxn>
+                        <a:cxn ang="0">
+                          <a:pos x="connsiteX3" y="connsiteY3"/>
+                        </a:cxn>
+                        <a:cxn ang="0">
+                          <a:pos x="connsiteX4" y="connsiteY4"/>
+                        </a:cxn>
+                        <a:cxn ang="0">
+                          <a:pos x="connsiteX5" y="connsiteY5"/>
+                        </a:cxn>
+                      </a:cxnLst>
+                      <a:rect l="l" t="t" r="r" b="b"/>
+                      <a:pathLst>
+                        <a:path w="942975" h="1530350">
+                          <a:moveTo>
+                            <a:pt x="0" y="1530350"/>
+                          </a:moveTo>
+                          <a:cubicBezTo>
+                            <a:pt x="59002" y="1495160"/>
+                            <a:pt x="118004" y="1459971"/>
+                            <a:pt x="184150" y="1397000"/>
+                          </a:cubicBezTo>
+                          <a:cubicBezTo>
+                            <a:pt x="250296" y="1334029"/>
+                            <a:pt x="307446" y="1290638"/>
+                            <a:pt x="396875" y="1152525"/>
+                          </a:cubicBezTo>
+                          <a:cubicBezTo>
+                            <a:pt x="486304" y="1014412"/>
+                            <a:pt x="647700" y="708554"/>
+                            <a:pt x="720725" y="568325"/>
+                          </a:cubicBezTo>
+                          <a:cubicBezTo>
+                            <a:pt x="793750" y="428096"/>
+                            <a:pt x="797983" y="405871"/>
+                            <a:pt x="835025" y="311150"/>
+                          </a:cubicBezTo>
+                          <a:cubicBezTo>
+                            <a:pt x="872067" y="216429"/>
+                            <a:pt x="907521" y="108214"/>
+                            <a:pt x="942975" y="0"/>
+                          </a:cubicBezTo>
+                        </a:path>
+                      </a:pathLst>
+                    </a:custGeom>
+                    <ask:type>
+                      <ask:lineSketchCurved/>
+                    </ask:type>
+                  </ask:lineSketchStyleProps>
+                </a:ext>
+              </a:extLst>
+            </a:ln>
+          </p:spPr>
+          <p:style>
+            <a:lnRef idx="2">
+              <a:schemeClr val="accent1">
+                <a:shade val="50000"/>
+              </a:schemeClr>
+            </a:lnRef>
+            <a:fillRef idx="1">
+              <a:schemeClr val="accent1"/>
+            </a:fillRef>
+            <a:effectRef idx="0">
+              <a:schemeClr val="accent1"/>
+            </a:effectRef>
+            <a:fontRef idx="minor">
+              <a:schemeClr val="lt1"/>
+            </a:fontRef>
+          </p:style>
+          <p:txBody>
+            <a:bodyPr rtlCol="0" anchor="ctr"/>
+            <a:lstStyle/>
+            <a:p>
+              <a:pPr algn="ctr"/>
+              <a:endParaRPr lang="en-US"/>
+            </a:p>
+          </p:txBody>
+        </p:sp>
+        <p:sp>
+          <p:nvSpPr>
+            <p:cNvPr id="34" name="Freeform: Shape 33">
+              <a:extLst>
+                <a:ext uri="{FF2B5EF4-FFF2-40B4-BE49-F238E27FC236}">
+                  <a16:creationId xmlns:a16="http://schemas.microsoft.com/office/drawing/2014/main" id="{4376A26F-841F-CA2F-1815-CC0E7F34C029}"/>
+                </a:ext>
+              </a:extLst>
+            </p:cNvPr>
+            <p:cNvSpPr/>
+            <p:nvPr/>
+          </p:nvSpPr>
+          <p:spPr>
+            <a:xfrm>
+              <a:off x="654050" y="717284"/>
+              <a:ext cx="334200" cy="260350"/>
+            </a:xfrm>
+            <a:custGeom>
+              <a:avLst/>
+              <a:gdLst>
+                <a:gd name="connsiteX0" fmla="*/ 0 w 334200"/>
+                <a:gd name="connsiteY0" fmla="*/ 0 h 260350"/>
+                <a:gd name="connsiteX1" fmla="*/ 120650 w 334200"/>
+                <a:gd name="connsiteY1" fmla="*/ 69850 h 260350"/>
+                <a:gd name="connsiteX2" fmla="*/ 301625 w 334200"/>
+                <a:gd name="connsiteY2" fmla="*/ 209550 h 260350"/>
+                <a:gd name="connsiteX3" fmla="*/ 333375 w 334200"/>
+                <a:gd name="connsiteY3" fmla="*/ 260350 h 260350"/>
+              </a:gdLst>
+              <a:ahLst/>
+              <a:cxnLst>
+                <a:cxn ang="0">
+                  <a:pos x="connsiteX0" y="connsiteY0"/>
+                </a:cxn>
+                <a:cxn ang="0">
+                  <a:pos x="connsiteX1" y="connsiteY1"/>
+                </a:cxn>
+                <a:cxn ang="0">
+                  <a:pos x="connsiteX2" y="connsiteY2"/>
+                </a:cxn>
+                <a:cxn ang="0">
+                  <a:pos x="connsiteX3" y="connsiteY3"/>
+                </a:cxn>
+              </a:cxnLst>
+              <a:rect l="l" t="t" r="r" b="b"/>
+              <a:pathLst>
+                <a:path w="334200" h="260350" extrusionOk="0">
+                  <a:moveTo>
+                    <a:pt x="0" y="0"/>
+                  </a:moveTo>
+                  <a:cubicBezTo>
+                    <a:pt x="33609" y="19032"/>
+                    <a:pt x="77898" y="34075"/>
+                    <a:pt x="120650" y="69850"/>
+                  </a:cubicBezTo>
+                  <a:cubicBezTo>
+                    <a:pt x="168551" y="103390"/>
+                    <a:pt x="265822" y="175814"/>
+                    <a:pt x="301625" y="209550"/>
+                  </a:cubicBezTo>
+                  <a:cubicBezTo>
+                    <a:pt x="336240" y="240705"/>
+                    <a:pt x="336687" y="252101"/>
+                    <a:pt x="333375" y="260350"/>
                   </a:cubicBezTo>
                 </a:path>
               </a:pathLst>
@@ -5425,41 +7910,10 @@
           </a:p>
         </p:txBody>
       </p:sp>
-      <p:pic>
-        <p:nvPicPr>
-          <p:cNvPr id="52" name="Picture 51">
-            <a:extLst>
-              <a:ext uri="{FF2B5EF4-FFF2-40B4-BE49-F238E27FC236}">
-                <a16:creationId xmlns:a16="http://schemas.microsoft.com/office/drawing/2014/main" id="{1F092CDB-3003-2F92-7975-6565CB53F7F9}"/>
-              </a:ext>
-            </a:extLst>
-          </p:cNvPr>
-          <p:cNvPicPr>
-            <a:picLocks noChangeAspect="1"/>
-          </p:cNvPicPr>
-          <p:nvPr/>
-        </p:nvPicPr>
-        <p:blipFill rotWithShape="1">
-          <a:blip r:embed="rId2">
-            <a:alphaModFix amt="50000"/>
-          </a:blip>
-          <a:srcRect l="5600" t="3356" r="2541" b="2173"/>
-          <a:stretch/>
-        </p:blipFill>
-        <p:spPr>
-          <a:xfrm>
-            <a:off x="191063" y="4202476"/>
-            <a:ext cx="317647" cy="317645"/>
-          </a:xfrm>
-          <a:prstGeom prst="rect">
-            <a:avLst/>
-          </a:prstGeom>
-        </p:spPr>
-      </p:pic>
     </p:spTree>
     <p:extLst>
       <p:ext uri="{BB962C8B-B14F-4D97-AF65-F5344CB8AC3E}">
-        <p14:creationId xmlns:p14="http://schemas.microsoft.com/office/powerpoint/2010/main" val="3447697917"/>
+        <p14:creationId xmlns:p14="http://schemas.microsoft.com/office/powerpoint/2010/main" val="124247623"/>
       </p:ext>
     </p:extLst>
   </p:cSld>
